--- a/PRESENTATION/IBM PPT (1).pptx
+++ b/PRESENTATION/IBM PPT (1).pptx
@@ -1781,7 +1781,7 @@
           <a:p>
             <a:fld id="{A987F3A2-31CF-41CB-8273-B675704F9D61}" type="datetimeFigureOut">
               <a:rPr lang="en-IN" smtClean="0"/>
-              <a:t>04-05-2022</a:t>
+              <a:t>06-05-2022</a:t>
             </a:fld>
             <a:endParaRPr lang="en-IN"/>
           </a:p>
@@ -2058,7 +2058,7 @@
           <a:p>
             <a:fld id="{A987F3A2-31CF-41CB-8273-B675704F9D61}" type="datetimeFigureOut">
               <a:rPr lang="en-IN" smtClean="0"/>
-              <a:t>04-05-2022</a:t>
+              <a:t>06-05-2022</a:t>
             </a:fld>
             <a:endParaRPr lang="en-IN"/>
           </a:p>
@@ -2391,7 +2391,7 @@
           <a:p>
             <a:fld id="{A987F3A2-31CF-41CB-8273-B675704F9D61}" type="datetimeFigureOut">
               <a:rPr lang="en-IN" smtClean="0"/>
-              <a:t>04-05-2022</a:t>
+              <a:t>06-05-2022</a:t>
             </a:fld>
             <a:endParaRPr lang="en-IN"/>
           </a:p>
@@ -2751,7 +2751,7 @@
           <a:p>
             <a:fld id="{A987F3A2-31CF-41CB-8273-B675704F9D61}" type="datetimeFigureOut">
               <a:rPr lang="en-IN" smtClean="0"/>
-              <a:t>04-05-2022</a:t>
+              <a:t>06-05-2022</a:t>
             </a:fld>
             <a:endParaRPr lang="en-IN"/>
           </a:p>
@@ -3084,7 +3084,7 @@
           <a:p>
             <a:fld id="{A987F3A2-31CF-41CB-8273-B675704F9D61}" type="datetimeFigureOut">
               <a:rPr lang="en-IN" smtClean="0"/>
-              <a:t>04-05-2022</a:t>
+              <a:t>06-05-2022</a:t>
             </a:fld>
             <a:endParaRPr lang="en-IN"/>
           </a:p>
@@ -3496,7 +3496,7 @@
           <a:p>
             <a:fld id="{A987F3A2-31CF-41CB-8273-B675704F9D61}" type="datetimeFigureOut">
               <a:rPr lang="en-IN" smtClean="0"/>
-              <a:t>04-05-2022</a:t>
+              <a:t>06-05-2022</a:t>
             </a:fld>
             <a:endParaRPr lang="en-IN"/>
           </a:p>
@@ -3685,7 +3685,7 @@
           <a:p>
             <a:fld id="{A987F3A2-31CF-41CB-8273-B675704F9D61}" type="datetimeFigureOut">
               <a:rPr lang="en-IN" smtClean="0"/>
-              <a:t>04-05-2022</a:t>
+              <a:t>06-05-2022</a:t>
             </a:fld>
             <a:endParaRPr lang="en-IN"/>
           </a:p>
@@ -3891,7 +3891,7 @@
           <a:p>
             <a:fld id="{A987F3A2-31CF-41CB-8273-B675704F9D61}" type="datetimeFigureOut">
               <a:rPr lang="en-IN" smtClean="0"/>
-              <a:t>04-05-2022</a:t>
+              <a:t>06-05-2022</a:t>
             </a:fld>
             <a:endParaRPr lang="en-IN"/>
           </a:p>
@@ -4640,7 +4640,7 @@
           <a:p>
             <a:fld id="{A987F3A2-31CF-41CB-8273-B675704F9D61}" type="datetimeFigureOut">
               <a:rPr lang="en-IN" smtClean="0"/>
-              <a:t>04-05-2022</a:t>
+              <a:t>06-05-2022</a:t>
             </a:fld>
             <a:endParaRPr lang="en-IN"/>
           </a:p>
@@ -4913,7 +4913,7 @@
           <a:p>
             <a:fld id="{A987F3A2-31CF-41CB-8273-B675704F9D61}" type="datetimeFigureOut">
               <a:rPr lang="en-IN" smtClean="0"/>
-              <a:t>04-05-2022</a:t>
+              <a:t>06-05-2022</a:t>
             </a:fld>
             <a:endParaRPr lang="en-IN"/>
           </a:p>
@@ -5171,7 +5171,7 @@
           <a:p>
             <a:fld id="{A987F3A2-31CF-41CB-8273-B675704F9D61}" type="datetimeFigureOut">
               <a:rPr lang="en-IN" smtClean="0"/>
-              <a:t>04-05-2022</a:t>
+              <a:t>06-05-2022</a:t>
             </a:fld>
             <a:endParaRPr lang="en-IN"/>
           </a:p>
@@ -5571,7 +5571,7 @@
           <a:p>
             <a:fld id="{A987F3A2-31CF-41CB-8273-B675704F9D61}" type="datetimeFigureOut">
               <a:rPr lang="en-IN" smtClean="0"/>
-              <a:t>04-05-2022</a:t>
+              <a:t>06-05-2022</a:t>
             </a:fld>
             <a:endParaRPr lang="en-IN"/>
           </a:p>
@@ -5720,7 +5720,7 @@
           <a:p>
             <a:fld id="{A987F3A2-31CF-41CB-8273-B675704F9D61}" type="datetimeFigureOut">
               <a:rPr lang="en-IN" smtClean="0"/>
-              <a:t>04-05-2022</a:t>
+              <a:t>06-05-2022</a:t>
             </a:fld>
             <a:endParaRPr lang="en-IN"/>
           </a:p>
@@ -5841,7 +5841,7 @@
           <a:p>
             <a:fld id="{A987F3A2-31CF-41CB-8273-B675704F9D61}" type="datetimeFigureOut">
               <a:rPr lang="en-IN" smtClean="0"/>
-              <a:t>04-05-2022</a:t>
+              <a:t>06-05-2022</a:t>
             </a:fld>
             <a:endParaRPr lang="en-IN"/>
           </a:p>
@@ -6122,7 +6122,7 @@
           <a:p>
             <a:fld id="{A987F3A2-31CF-41CB-8273-B675704F9D61}" type="datetimeFigureOut">
               <a:rPr lang="en-IN" smtClean="0"/>
-              <a:t>04-05-2022</a:t>
+              <a:t>06-05-2022</a:t>
             </a:fld>
             <a:endParaRPr lang="en-IN"/>
           </a:p>
@@ -6411,7 +6411,7 @@
           <a:p>
             <a:fld id="{A987F3A2-31CF-41CB-8273-B675704F9D61}" type="datetimeFigureOut">
               <a:rPr lang="en-IN" smtClean="0"/>
-              <a:t>04-05-2022</a:t>
+              <a:t>06-05-2022</a:t>
             </a:fld>
             <a:endParaRPr lang="en-IN"/>
           </a:p>
@@ -7180,7 +7180,7 @@
           <a:p>
             <a:fld id="{A987F3A2-31CF-41CB-8273-B675704F9D61}" type="datetimeFigureOut">
               <a:rPr lang="en-IN" smtClean="0"/>
-              <a:t>04-05-2022</a:t>
+              <a:t>06-05-2022</a:t>
             </a:fld>
             <a:endParaRPr lang="en-IN"/>
           </a:p>
@@ -8047,9 +8047,29 @@
           <a:p>
             <a:r>
               <a:rPr lang="en-US" sz="3200" dirty="0" smtClean="0"/>
-              <a:t>Green House Management System</a:t>
-            </a:r>
-            <a:endParaRPr lang="en-IN" sz="3200" dirty="0"/>
+              <a:t>	</a:t>
+            </a:r>
+            <a:r>
+              <a:rPr lang="en-US" sz="3200" b="1" dirty="0" smtClean="0">
+                <a:effectLst>
+                  <a:outerShdw blurRad="38100" dist="38100" dir="2700000" algn="tl">
+                    <a:srgbClr val="000000">
+                      <a:alpha val="43137"/>
+                    </a:srgbClr>
+                  </a:outerShdw>
+                </a:effectLst>
+              </a:rPr>
+              <a:t>GREEN HOUSE MONITORING SYSTEM</a:t>
+            </a:r>
+            <a:endParaRPr lang="en-IN" sz="3200" b="1" dirty="0">
+              <a:effectLst>
+                <a:outerShdw blurRad="38100" dist="38100" dir="2700000" algn="tl">
+                  <a:srgbClr val="000000">
+                    <a:alpha val="43137"/>
+                  </a:srgbClr>
+                </a:outerShdw>
+              </a:effectLst>
+            </a:endParaRPr>
           </a:p>
         </p:txBody>
       </p:sp>
@@ -8091,7 +8111,7 @@
         </p:nvSpPr>
         <p:spPr>
           <a:xfrm>
-            <a:off x="909748" y="2512661"/>
+            <a:off x="395785" y="2513798"/>
             <a:ext cx="1909652" cy="584775"/>
           </a:xfrm>
           <a:prstGeom prst="rect">
@@ -11119,11 +11139,7 @@
             </a:pPr>
             <a:r>
               <a:rPr lang="en-US" sz="1800" dirty="0" smtClean="0"/>
-              <a:t>PROBLEM  </a:t>
-            </a:r>
-            <a:r>
-              <a:rPr lang="en-US" sz="1800" dirty="0" smtClean="0"/>
-              <a:t>STATEMENT</a:t>
+              <a:t>PROBLEM  STATEMENT</a:t>
             </a:r>
           </a:p>
           <a:p>
@@ -11405,11 +11421,7 @@
           <a:p>
             <a:r>
               <a:rPr lang="en-US" sz="3200" dirty="0" smtClean="0"/>
-              <a:t>	PROBLEM </a:t>
-            </a:r>
-            <a:r>
-              <a:rPr lang="en-US" sz="3200" dirty="0" smtClean="0"/>
-              <a:t>STATEMENT</a:t>
+              <a:t>	PROBLEM STATEMENT</a:t>
             </a:r>
             <a:endParaRPr lang="en-US" sz="3200" dirty="0"/>
           </a:p>
@@ -11440,17 +11452,8 @@
             </a:pPr>
             <a:r>
               <a:rPr lang="en-US" sz="1800" dirty="0" smtClean="0"/>
-              <a:t>These </a:t>
-            </a:r>
-            <a:r>
-              <a:rPr lang="en-US" sz="1800" dirty="0" smtClean="0"/>
-              <a:t>are the problems faced in current greenhouse </a:t>
-            </a:r>
-            <a:r>
-              <a:rPr lang="en-US" sz="1800" dirty="0" smtClean="0"/>
-              <a:t>monitoring  systems</a:t>
-            </a:r>
-            <a:endParaRPr lang="en-US" sz="1800" dirty="0" smtClean="0"/>
+              <a:t>These are the problems faced in current greenhouse monitoring  systems</a:t>
+            </a:r>
           </a:p>
           <a:p>
             <a:pPr>
@@ -11472,11 +11475,7 @@
             </a:pPr>
             <a:r>
               <a:rPr lang="en-US" sz="1600" dirty="0" smtClean="0"/>
-              <a:t>Different   behaviors  of  plants  under  different  </a:t>
-            </a:r>
-            <a:r>
-              <a:rPr lang="en-US" sz="1600" dirty="0" smtClean="0"/>
-              <a:t>conditions</a:t>
+              <a:t>Different   behaviors  of  plants  under  different  conditions</a:t>
             </a:r>
           </a:p>
           <a:p>
@@ -11492,11 +11491,7 @@
             </a:pPr>
             <a:r>
               <a:rPr lang="en-US" sz="1600" dirty="0" smtClean="0"/>
-              <a:t>Various </a:t>
-            </a:r>
-            <a:r>
-              <a:rPr lang="en-US" sz="1600" dirty="0" smtClean="0"/>
-              <a:t>disorders of plants</a:t>
+              <a:t>Various disorders of plants</a:t>
             </a:r>
           </a:p>
           <a:p>
@@ -11695,11 +11690,7 @@
             </a:pPr>
             <a:r>
               <a:rPr lang="en-US" sz="1600" dirty="0" smtClean="0"/>
-              <a:t>Higher </a:t>
-            </a:r>
-            <a:r>
-              <a:rPr lang="en-US" sz="1600" dirty="0" smtClean="0"/>
-              <a:t>cost for maintenance-In current greenhouses, the workers continuously observe the plant growth. In that case, workers will be tired and labor system would be inefficient. So, there would be an unnecessary higher cost for maintenance.</a:t>
+              <a:t>Higher cost for maintenance-In current greenhouses, the workers continuously observe the plant growth. In that case, workers will be tired and labor system would be inefficient. So, there would be an unnecessary higher cost for maintenance.</a:t>
             </a:r>
           </a:p>
           <a:p>

--- a/PRESENTATION/IBM PPT (1).pptx
+++ b/PRESENTATION/IBM PPT (1).pptx
@@ -8051,6 +8051,11 @@
             </a:r>
             <a:r>
               <a:rPr lang="en-US" sz="3200" b="1" dirty="0" smtClean="0">
+                <a:solidFill>
+                  <a:schemeClr val="accent2">
+                    <a:lumMod val="50000"/>
+                  </a:schemeClr>
+                </a:solidFill>
                 <a:effectLst>
                   <a:outerShdw blurRad="38100" dist="38100" dir="2700000" algn="tl">
                     <a:srgbClr val="000000">
@@ -8062,6 +8067,11 @@
               <a:t>GREEN HOUSE MONITORING SYSTEM</a:t>
             </a:r>
             <a:endParaRPr lang="en-IN" sz="3200" b="1" dirty="0">
+              <a:solidFill>
+                <a:schemeClr val="accent2">
+                  <a:lumMod val="50000"/>
+                </a:schemeClr>
+              </a:solidFill>
               <a:effectLst>
                 <a:outerShdw blurRad="38100" dist="38100" dir="2700000" algn="tl">
                   <a:srgbClr val="000000">
@@ -8111,7 +8121,7 @@
         </p:nvSpPr>
         <p:spPr>
           <a:xfrm>
-            <a:off x="395785" y="2513798"/>
+            <a:off x="395785" y="2520622"/>
             <a:ext cx="1909652" cy="584775"/>
           </a:xfrm>
           <a:prstGeom prst="rect">
@@ -8126,10 +8136,24 @@
           <a:lstStyle/>
           <a:p>
             <a:r>
-              <a:rPr lang="en-US" sz="3200" dirty="0" smtClean="0"/>
+              <a:rPr lang="en-US" sz="3200" b="1" dirty="0" smtClean="0">
+                <a:solidFill>
+                  <a:schemeClr val="accent2">
+                    <a:lumMod val="50000"/>
+                  </a:schemeClr>
+                </a:solidFill>
+                <a:latin typeface="+mj-lt"/>
+              </a:rPr>
               <a:t>TEAM 38</a:t>
             </a:r>
-            <a:endParaRPr lang="en-IN" sz="3200" dirty="0"/>
+            <a:endParaRPr lang="en-IN" sz="3200" b="1" dirty="0">
+              <a:solidFill>
+                <a:schemeClr val="accent2">
+                  <a:lumMod val="50000"/>
+                </a:schemeClr>
+              </a:solidFill>
+              <a:latin typeface="+mj-lt"/>
+            </a:endParaRPr>
           </a:p>
         </p:txBody>
       </p:sp>
@@ -8235,8 +8259,8 @@
         </p:nvSpPr>
         <p:spPr>
           <a:xfrm>
-            <a:off x="2549525" y="3486150"/>
-            <a:ext cx="6594475" cy="709613"/>
+            <a:off x="762000" y="3105150"/>
+            <a:ext cx="6781800" cy="938213"/>
           </a:xfrm>
           <a:prstGeom prst="rect">
             <a:avLst/>
@@ -8258,12 +8282,29 @@
               <a:buNone/>
             </a:pPr>
             <a:r>
+              <a:rPr lang="en" sz="6600" b="1" dirty="0" smtClean="0">
+                <a:solidFill>
+                  <a:schemeClr val="accent2">
+                    <a:lumMod val="50000"/>
+                  </a:schemeClr>
+                </a:solidFill>
+                <a:effectLst>
+                  <a:outerShdw blurRad="38100" dist="38100" dir="2700000" algn="tl">
+                    <a:srgbClr val="000000">
+                      <a:alpha val="43137"/>
+                    </a:srgbClr>
+                  </a:outerShdw>
+                </a:effectLst>
+              </a:rPr>
+              <a:t>THANK YOU!</a:t>
+            </a:r>
+            <a:r>
               <a:rPr lang="en" sz="6000" dirty="0" smtClean="0">
                 <a:solidFill>
                   <a:schemeClr val="dk1"/>
                 </a:solidFill>
               </a:rPr>
-              <a:t>Thanks!</a:t>
+              <a:t/>
             </a:r>
             <a:br>
               <a:rPr lang="en" sz="6000" dirty="0" smtClean="0">
@@ -8340,53 +8381,6 @@
       </p:sp>
       <p:sp>
         <p:nvSpPr>
-          <p:cNvPr id="333" name="Google Shape;333;p37"/>
-          <p:cNvSpPr/>
-          <p:nvPr/>
-        </p:nvSpPr>
-        <p:spPr>
-          <a:xfrm>
-            <a:off x="3729600" y="702175"/>
-            <a:ext cx="1684800" cy="1684800"/>
-          </a:xfrm>
-          <a:prstGeom prst="ellipse">
-            <a:avLst/>
-          </a:prstGeom>
-          <a:solidFill>
-            <a:schemeClr val="accent2"/>
-          </a:solidFill>
-          <a:ln>
-            <a:noFill/>
-          </a:ln>
-          <a:effectLst>
-            <a:outerShdw blurRad="242888" dist="85725" dir="5400000" algn="bl" rotWithShape="0">
-              <a:schemeClr val="dk2">
-                <a:alpha val="62000"/>
-              </a:schemeClr>
-            </a:outerShdw>
-          </a:effectLst>
-        </p:spPr>
-        <p:txBody>
-          <a:bodyPr spcFirstLastPara="1" wrap="square" lIns="91425" tIns="91425" rIns="91425" bIns="91425" anchor="ctr" anchorCtr="0">
-            <a:noAutofit/>
-          </a:bodyPr>
-          <a:lstStyle/>
-          <a:p>
-            <a:pPr marL="0" lvl="0" indent="0" algn="l" rtl="0">
-              <a:spcBef>
-                <a:spcPts val="0"/>
-              </a:spcBef>
-              <a:spcAft>
-                <a:spcPts val="0"/>
-              </a:spcAft>
-              <a:buNone/>
-            </a:pPr>
-            <a:endParaRPr/>
-          </a:p>
-        </p:txBody>
-      </p:sp>
-      <p:sp>
-        <p:nvSpPr>
           <p:cNvPr id="334" name="Google Shape;334;p37"/>
           <p:cNvSpPr/>
           <p:nvPr/>
@@ -11010,6 +11004,2693 @@
           </a:p>
         </p:txBody>
       </p:sp>
+      <p:grpSp>
+        <p:nvGrpSpPr>
+          <p:cNvPr id="2" name="Group 1"/>
+          <p:cNvGrpSpPr/>
+          <p:nvPr/>
+        </p:nvGrpSpPr>
+        <p:grpSpPr>
+          <a:xfrm>
+            <a:off x="6163800" y="590550"/>
+            <a:ext cx="1684800" cy="1684800"/>
+            <a:chOff x="2362200" y="1000402"/>
+            <a:chExt cx="1684800" cy="1684800"/>
+          </a:xfrm>
+        </p:grpSpPr>
+        <p:sp>
+          <p:nvSpPr>
+            <p:cNvPr id="333" name="Google Shape;333;p37"/>
+            <p:cNvSpPr/>
+            <p:nvPr/>
+          </p:nvSpPr>
+          <p:spPr>
+            <a:xfrm>
+              <a:off x="2362200" y="1000402"/>
+              <a:ext cx="1684800" cy="1684800"/>
+            </a:xfrm>
+            <a:prstGeom prst="ellipse">
+              <a:avLst/>
+            </a:prstGeom>
+            <a:solidFill>
+              <a:schemeClr val="accent2"/>
+            </a:solidFill>
+            <a:ln>
+              <a:noFill/>
+            </a:ln>
+            <a:effectLst>
+              <a:outerShdw blurRad="242888" dist="85725" dir="5400000" algn="bl" rotWithShape="0">
+                <a:schemeClr val="dk2">
+                  <a:alpha val="62000"/>
+                </a:schemeClr>
+              </a:outerShdw>
+            </a:effectLst>
+          </p:spPr>
+          <p:txBody>
+            <a:bodyPr spcFirstLastPara="1" wrap="square" lIns="91425" tIns="91425" rIns="91425" bIns="91425" anchor="ctr" anchorCtr="0">
+              <a:noAutofit/>
+            </a:bodyPr>
+            <a:lstStyle/>
+            <a:p>
+              <a:pPr marL="0" lvl="0" indent="0" algn="l" rtl="0">
+                <a:spcBef>
+                  <a:spcPts val="0"/>
+                </a:spcBef>
+                <a:spcAft>
+                  <a:spcPts val="0"/>
+                </a:spcAft>
+                <a:buNone/>
+              </a:pPr>
+              <a:endParaRPr/>
+            </a:p>
+          </p:txBody>
+        </p:sp>
+        <p:sp>
+          <p:nvSpPr>
+            <p:cNvPr id="7" name="Google Shape;334;p37"/>
+            <p:cNvSpPr/>
+            <p:nvPr/>
+          </p:nvSpPr>
+          <p:spPr>
+            <a:xfrm>
+              <a:off x="2895600" y="1428750"/>
+              <a:ext cx="731514" cy="675643"/>
+            </a:xfrm>
+            <a:custGeom>
+              <a:avLst/>
+              <a:gdLst/>
+              <a:ahLst/>
+              <a:cxnLst/>
+              <a:rect l="l" t="t" r="r" b="b"/>
+              <a:pathLst>
+                <a:path w="17204" h="15890" extrusionOk="0">
+                  <a:moveTo>
+                    <a:pt x="1241" y="6108"/>
+                  </a:moveTo>
+                  <a:lnTo>
+                    <a:pt x="1022" y="6376"/>
+                  </a:lnTo>
+                  <a:lnTo>
+                    <a:pt x="852" y="6644"/>
+                  </a:lnTo>
+                  <a:lnTo>
+                    <a:pt x="755" y="6765"/>
+                  </a:lnTo>
+                  <a:lnTo>
+                    <a:pt x="730" y="6425"/>
+                  </a:lnTo>
+                  <a:lnTo>
+                    <a:pt x="682" y="6108"/>
+                  </a:lnTo>
+                  <a:close/>
+                  <a:moveTo>
+                    <a:pt x="3188" y="6181"/>
+                  </a:moveTo>
+                  <a:lnTo>
+                    <a:pt x="3918" y="6206"/>
+                  </a:lnTo>
+                  <a:lnTo>
+                    <a:pt x="3772" y="6327"/>
+                  </a:lnTo>
+                  <a:lnTo>
+                    <a:pt x="3626" y="6498"/>
+                  </a:lnTo>
+                  <a:lnTo>
+                    <a:pt x="3382" y="6814"/>
+                  </a:lnTo>
+                  <a:lnTo>
+                    <a:pt x="3236" y="7009"/>
+                  </a:lnTo>
+                  <a:lnTo>
+                    <a:pt x="3115" y="6936"/>
+                  </a:lnTo>
+                  <a:lnTo>
+                    <a:pt x="2969" y="6911"/>
+                  </a:lnTo>
+                  <a:lnTo>
+                    <a:pt x="2896" y="6887"/>
+                  </a:lnTo>
+                  <a:lnTo>
+                    <a:pt x="2798" y="6863"/>
+                  </a:lnTo>
+                  <a:lnTo>
+                    <a:pt x="2725" y="6863"/>
+                  </a:lnTo>
+                  <a:lnTo>
+                    <a:pt x="2969" y="6546"/>
+                  </a:lnTo>
+                  <a:lnTo>
+                    <a:pt x="3188" y="6230"/>
+                  </a:lnTo>
+                  <a:lnTo>
+                    <a:pt x="3188" y="6181"/>
+                  </a:lnTo>
+                  <a:close/>
+                  <a:moveTo>
+                    <a:pt x="4112" y="6206"/>
+                  </a:moveTo>
+                  <a:lnTo>
+                    <a:pt x="4064" y="6376"/>
+                  </a:lnTo>
+                  <a:lnTo>
+                    <a:pt x="4039" y="6546"/>
+                  </a:lnTo>
+                  <a:lnTo>
+                    <a:pt x="4039" y="6863"/>
+                  </a:lnTo>
+                  <a:lnTo>
+                    <a:pt x="3991" y="7398"/>
+                  </a:lnTo>
+                  <a:lnTo>
+                    <a:pt x="3796" y="7617"/>
+                  </a:lnTo>
+                  <a:lnTo>
+                    <a:pt x="3626" y="7860"/>
+                  </a:lnTo>
+                  <a:lnTo>
+                    <a:pt x="3650" y="7714"/>
+                  </a:lnTo>
+                  <a:lnTo>
+                    <a:pt x="3650" y="7568"/>
+                  </a:lnTo>
+                  <a:lnTo>
+                    <a:pt x="3626" y="7447"/>
+                  </a:lnTo>
+                  <a:lnTo>
+                    <a:pt x="3577" y="7325"/>
+                  </a:lnTo>
+                  <a:lnTo>
+                    <a:pt x="3504" y="7203"/>
+                  </a:lnTo>
+                  <a:lnTo>
+                    <a:pt x="3820" y="6717"/>
+                  </a:lnTo>
+                  <a:lnTo>
+                    <a:pt x="3966" y="6473"/>
+                  </a:lnTo>
+                  <a:lnTo>
+                    <a:pt x="4088" y="6206"/>
+                  </a:lnTo>
+                  <a:close/>
+                  <a:moveTo>
+                    <a:pt x="2701" y="7301"/>
+                  </a:moveTo>
+                  <a:lnTo>
+                    <a:pt x="2750" y="7325"/>
+                  </a:lnTo>
+                  <a:lnTo>
+                    <a:pt x="2823" y="7325"/>
+                  </a:lnTo>
+                  <a:lnTo>
+                    <a:pt x="2969" y="7374"/>
+                  </a:lnTo>
+                  <a:lnTo>
+                    <a:pt x="3090" y="7447"/>
+                  </a:lnTo>
+                  <a:lnTo>
+                    <a:pt x="3163" y="7568"/>
+                  </a:lnTo>
+                  <a:lnTo>
+                    <a:pt x="3188" y="7690"/>
+                  </a:lnTo>
+                  <a:lnTo>
+                    <a:pt x="3188" y="7836"/>
+                  </a:lnTo>
+                  <a:lnTo>
+                    <a:pt x="3139" y="7982"/>
+                  </a:lnTo>
+                  <a:lnTo>
+                    <a:pt x="3042" y="8104"/>
+                  </a:lnTo>
+                  <a:lnTo>
+                    <a:pt x="2920" y="8201"/>
+                  </a:lnTo>
+                  <a:lnTo>
+                    <a:pt x="2847" y="8225"/>
+                  </a:lnTo>
+                  <a:lnTo>
+                    <a:pt x="2774" y="8250"/>
+                  </a:lnTo>
+                  <a:lnTo>
+                    <a:pt x="2677" y="8225"/>
+                  </a:lnTo>
+                  <a:lnTo>
+                    <a:pt x="2604" y="8201"/>
+                  </a:lnTo>
+                  <a:lnTo>
+                    <a:pt x="2531" y="8152"/>
+                  </a:lnTo>
+                  <a:lnTo>
+                    <a:pt x="2482" y="8079"/>
+                  </a:lnTo>
+                  <a:lnTo>
+                    <a:pt x="2433" y="8031"/>
+                  </a:lnTo>
+                  <a:lnTo>
+                    <a:pt x="2409" y="7958"/>
+                  </a:lnTo>
+                  <a:lnTo>
+                    <a:pt x="2385" y="7836"/>
+                  </a:lnTo>
+                  <a:lnTo>
+                    <a:pt x="2385" y="7714"/>
+                  </a:lnTo>
+                  <a:lnTo>
+                    <a:pt x="2433" y="7593"/>
+                  </a:lnTo>
+                  <a:lnTo>
+                    <a:pt x="2482" y="7495"/>
+                  </a:lnTo>
+                  <a:lnTo>
+                    <a:pt x="2579" y="7374"/>
+                  </a:lnTo>
+                  <a:lnTo>
+                    <a:pt x="2701" y="7301"/>
+                  </a:lnTo>
+                  <a:close/>
+                  <a:moveTo>
+                    <a:pt x="1582" y="6133"/>
+                  </a:moveTo>
+                  <a:lnTo>
+                    <a:pt x="1898" y="6157"/>
+                  </a:lnTo>
+                  <a:lnTo>
+                    <a:pt x="2239" y="6157"/>
+                  </a:lnTo>
+                  <a:lnTo>
+                    <a:pt x="3042" y="6181"/>
+                  </a:lnTo>
+                  <a:lnTo>
+                    <a:pt x="2823" y="6303"/>
+                  </a:lnTo>
+                  <a:lnTo>
+                    <a:pt x="2628" y="6473"/>
+                  </a:lnTo>
+                  <a:lnTo>
+                    <a:pt x="2458" y="6692"/>
+                  </a:lnTo>
+                  <a:lnTo>
+                    <a:pt x="2287" y="6911"/>
+                  </a:lnTo>
+                  <a:lnTo>
+                    <a:pt x="1995" y="7398"/>
+                  </a:lnTo>
+                  <a:lnTo>
+                    <a:pt x="1728" y="7836"/>
+                  </a:lnTo>
+                  <a:lnTo>
+                    <a:pt x="1485" y="8225"/>
+                  </a:lnTo>
+                  <a:lnTo>
+                    <a:pt x="1193" y="8639"/>
+                  </a:lnTo>
+                  <a:lnTo>
+                    <a:pt x="925" y="9053"/>
+                  </a:lnTo>
+                  <a:lnTo>
+                    <a:pt x="657" y="9466"/>
+                  </a:lnTo>
+                  <a:lnTo>
+                    <a:pt x="633" y="8639"/>
+                  </a:lnTo>
+                  <a:lnTo>
+                    <a:pt x="755" y="8566"/>
+                  </a:lnTo>
+                  <a:lnTo>
+                    <a:pt x="852" y="8469"/>
+                  </a:lnTo>
+                  <a:lnTo>
+                    <a:pt x="1047" y="8225"/>
+                  </a:lnTo>
+                  <a:lnTo>
+                    <a:pt x="1193" y="7982"/>
+                  </a:lnTo>
+                  <a:lnTo>
+                    <a:pt x="1314" y="7714"/>
+                  </a:lnTo>
+                  <a:lnTo>
+                    <a:pt x="1436" y="7544"/>
+                  </a:lnTo>
+                  <a:lnTo>
+                    <a:pt x="1582" y="7349"/>
+                  </a:lnTo>
+                  <a:lnTo>
+                    <a:pt x="1874" y="6984"/>
+                  </a:lnTo>
+                  <a:lnTo>
+                    <a:pt x="1995" y="6790"/>
+                  </a:lnTo>
+                  <a:lnTo>
+                    <a:pt x="2141" y="6619"/>
+                  </a:lnTo>
+                  <a:lnTo>
+                    <a:pt x="2239" y="6425"/>
+                  </a:lnTo>
+                  <a:lnTo>
+                    <a:pt x="2312" y="6206"/>
+                  </a:lnTo>
+                  <a:lnTo>
+                    <a:pt x="2312" y="6181"/>
+                  </a:lnTo>
+                  <a:lnTo>
+                    <a:pt x="2287" y="6181"/>
+                  </a:lnTo>
+                  <a:lnTo>
+                    <a:pt x="2117" y="6279"/>
+                  </a:lnTo>
+                  <a:lnTo>
+                    <a:pt x="1971" y="6400"/>
+                  </a:lnTo>
+                  <a:lnTo>
+                    <a:pt x="1825" y="6546"/>
+                  </a:lnTo>
+                  <a:lnTo>
+                    <a:pt x="1703" y="6692"/>
+                  </a:lnTo>
+                  <a:lnTo>
+                    <a:pt x="1460" y="7009"/>
+                  </a:lnTo>
+                  <a:lnTo>
+                    <a:pt x="1217" y="7325"/>
+                  </a:lnTo>
+                  <a:lnTo>
+                    <a:pt x="925" y="7714"/>
+                  </a:lnTo>
+                  <a:lnTo>
+                    <a:pt x="657" y="8152"/>
+                  </a:lnTo>
+                  <a:lnTo>
+                    <a:pt x="657" y="8128"/>
+                  </a:lnTo>
+                  <a:lnTo>
+                    <a:pt x="730" y="7398"/>
+                  </a:lnTo>
+                  <a:lnTo>
+                    <a:pt x="828" y="7276"/>
+                  </a:lnTo>
+                  <a:lnTo>
+                    <a:pt x="901" y="7130"/>
+                  </a:lnTo>
+                  <a:lnTo>
+                    <a:pt x="1047" y="6887"/>
+                  </a:lnTo>
+                  <a:lnTo>
+                    <a:pt x="1339" y="6522"/>
+                  </a:lnTo>
+                  <a:lnTo>
+                    <a:pt x="1460" y="6327"/>
+                  </a:lnTo>
+                  <a:lnTo>
+                    <a:pt x="1582" y="6133"/>
+                  </a:lnTo>
+                  <a:close/>
+                  <a:moveTo>
+                    <a:pt x="1971" y="7982"/>
+                  </a:moveTo>
+                  <a:lnTo>
+                    <a:pt x="1995" y="8104"/>
+                  </a:lnTo>
+                  <a:lnTo>
+                    <a:pt x="2044" y="8225"/>
+                  </a:lnTo>
+                  <a:lnTo>
+                    <a:pt x="2117" y="8323"/>
+                  </a:lnTo>
+                  <a:lnTo>
+                    <a:pt x="2190" y="8396"/>
+                  </a:lnTo>
+                  <a:lnTo>
+                    <a:pt x="1533" y="9369"/>
+                  </a:lnTo>
+                  <a:lnTo>
+                    <a:pt x="682" y="10658"/>
+                  </a:lnTo>
+                  <a:lnTo>
+                    <a:pt x="682" y="10512"/>
+                  </a:lnTo>
+                  <a:lnTo>
+                    <a:pt x="657" y="10123"/>
+                  </a:lnTo>
+                  <a:lnTo>
+                    <a:pt x="1241" y="9150"/>
+                  </a:lnTo>
+                  <a:lnTo>
+                    <a:pt x="1849" y="8201"/>
+                  </a:lnTo>
+                  <a:lnTo>
+                    <a:pt x="1971" y="7982"/>
+                  </a:lnTo>
+                  <a:close/>
+                  <a:moveTo>
+                    <a:pt x="3188" y="8566"/>
+                  </a:moveTo>
+                  <a:lnTo>
+                    <a:pt x="2312" y="9928"/>
+                  </a:lnTo>
+                  <a:lnTo>
+                    <a:pt x="1436" y="11242"/>
+                  </a:lnTo>
+                  <a:lnTo>
+                    <a:pt x="1047" y="11753"/>
+                  </a:lnTo>
+                  <a:lnTo>
+                    <a:pt x="828" y="11997"/>
+                  </a:lnTo>
+                  <a:lnTo>
+                    <a:pt x="657" y="12264"/>
+                  </a:lnTo>
+                  <a:lnTo>
+                    <a:pt x="657" y="11242"/>
+                  </a:lnTo>
+                  <a:lnTo>
+                    <a:pt x="974" y="10780"/>
+                  </a:lnTo>
+                  <a:lnTo>
+                    <a:pt x="1922" y="9369"/>
+                  </a:lnTo>
+                  <a:lnTo>
+                    <a:pt x="2458" y="8590"/>
+                  </a:lnTo>
+                  <a:lnTo>
+                    <a:pt x="2579" y="8639"/>
+                  </a:lnTo>
+                  <a:lnTo>
+                    <a:pt x="2725" y="8663"/>
+                  </a:lnTo>
+                  <a:lnTo>
+                    <a:pt x="2871" y="8663"/>
+                  </a:lnTo>
+                  <a:lnTo>
+                    <a:pt x="2993" y="8639"/>
+                  </a:lnTo>
+                  <a:lnTo>
+                    <a:pt x="3090" y="8615"/>
+                  </a:lnTo>
+                  <a:lnTo>
+                    <a:pt x="3188" y="8566"/>
+                  </a:lnTo>
+                  <a:close/>
+                  <a:moveTo>
+                    <a:pt x="3991" y="7787"/>
+                  </a:moveTo>
+                  <a:lnTo>
+                    <a:pt x="3991" y="8834"/>
+                  </a:lnTo>
+                  <a:lnTo>
+                    <a:pt x="3820" y="8980"/>
+                  </a:lnTo>
+                  <a:lnTo>
+                    <a:pt x="3650" y="9174"/>
+                  </a:lnTo>
+                  <a:lnTo>
+                    <a:pt x="3358" y="9588"/>
+                  </a:lnTo>
+                  <a:lnTo>
+                    <a:pt x="2823" y="10342"/>
+                  </a:lnTo>
+                  <a:lnTo>
+                    <a:pt x="2555" y="10707"/>
+                  </a:lnTo>
+                  <a:lnTo>
+                    <a:pt x="2287" y="11096"/>
+                  </a:lnTo>
+                  <a:lnTo>
+                    <a:pt x="1436" y="12143"/>
+                  </a:lnTo>
+                  <a:lnTo>
+                    <a:pt x="1022" y="12654"/>
+                  </a:lnTo>
+                  <a:lnTo>
+                    <a:pt x="633" y="13189"/>
+                  </a:lnTo>
+                  <a:lnTo>
+                    <a:pt x="633" y="12946"/>
+                  </a:lnTo>
+                  <a:lnTo>
+                    <a:pt x="633" y="12775"/>
+                  </a:lnTo>
+                  <a:lnTo>
+                    <a:pt x="755" y="12654"/>
+                  </a:lnTo>
+                  <a:lnTo>
+                    <a:pt x="876" y="12532"/>
+                  </a:lnTo>
+                  <a:lnTo>
+                    <a:pt x="1120" y="12264"/>
+                  </a:lnTo>
+                  <a:lnTo>
+                    <a:pt x="1509" y="11680"/>
+                  </a:lnTo>
+                  <a:lnTo>
+                    <a:pt x="2020" y="10975"/>
+                  </a:lnTo>
+                  <a:lnTo>
+                    <a:pt x="2506" y="10245"/>
+                  </a:lnTo>
+                  <a:lnTo>
+                    <a:pt x="2993" y="9490"/>
+                  </a:lnTo>
+                  <a:lnTo>
+                    <a:pt x="3455" y="8736"/>
+                  </a:lnTo>
+                  <a:lnTo>
+                    <a:pt x="3723" y="8274"/>
+                  </a:lnTo>
+                  <a:lnTo>
+                    <a:pt x="3869" y="8031"/>
+                  </a:lnTo>
+                  <a:lnTo>
+                    <a:pt x="3991" y="7787"/>
+                  </a:lnTo>
+                  <a:close/>
+                  <a:moveTo>
+                    <a:pt x="4039" y="14065"/>
+                  </a:moveTo>
+                  <a:lnTo>
+                    <a:pt x="4039" y="14430"/>
+                  </a:lnTo>
+                  <a:lnTo>
+                    <a:pt x="3820" y="14430"/>
+                  </a:lnTo>
+                  <a:lnTo>
+                    <a:pt x="4015" y="14089"/>
+                  </a:lnTo>
+                  <a:lnTo>
+                    <a:pt x="4039" y="14065"/>
+                  </a:lnTo>
+                  <a:close/>
+                  <a:moveTo>
+                    <a:pt x="4039" y="12921"/>
+                  </a:moveTo>
+                  <a:lnTo>
+                    <a:pt x="4039" y="13140"/>
+                  </a:lnTo>
+                  <a:lnTo>
+                    <a:pt x="4039" y="13554"/>
+                  </a:lnTo>
+                  <a:lnTo>
+                    <a:pt x="3918" y="13724"/>
+                  </a:lnTo>
+                  <a:lnTo>
+                    <a:pt x="3820" y="13870"/>
+                  </a:lnTo>
+                  <a:lnTo>
+                    <a:pt x="3577" y="14235"/>
+                  </a:lnTo>
+                  <a:lnTo>
+                    <a:pt x="3431" y="14454"/>
+                  </a:lnTo>
+                  <a:lnTo>
+                    <a:pt x="2993" y="14454"/>
+                  </a:lnTo>
+                  <a:lnTo>
+                    <a:pt x="3431" y="13797"/>
+                  </a:lnTo>
+                  <a:lnTo>
+                    <a:pt x="3747" y="13359"/>
+                  </a:lnTo>
+                  <a:lnTo>
+                    <a:pt x="4039" y="12921"/>
+                  </a:lnTo>
+                  <a:close/>
+                  <a:moveTo>
+                    <a:pt x="4039" y="11826"/>
+                  </a:moveTo>
+                  <a:lnTo>
+                    <a:pt x="4039" y="12483"/>
+                  </a:lnTo>
+                  <a:lnTo>
+                    <a:pt x="3845" y="12678"/>
+                  </a:lnTo>
+                  <a:lnTo>
+                    <a:pt x="3650" y="12873"/>
+                  </a:lnTo>
+                  <a:lnTo>
+                    <a:pt x="3334" y="13311"/>
+                  </a:lnTo>
+                  <a:lnTo>
+                    <a:pt x="2896" y="13895"/>
+                  </a:lnTo>
+                  <a:lnTo>
+                    <a:pt x="2677" y="14187"/>
+                  </a:lnTo>
+                  <a:lnTo>
+                    <a:pt x="2482" y="14503"/>
+                  </a:lnTo>
+                  <a:lnTo>
+                    <a:pt x="2312" y="14503"/>
+                  </a:lnTo>
+                  <a:lnTo>
+                    <a:pt x="2433" y="14333"/>
+                  </a:lnTo>
+                  <a:lnTo>
+                    <a:pt x="2555" y="14162"/>
+                  </a:lnTo>
+                  <a:lnTo>
+                    <a:pt x="2871" y="13651"/>
+                  </a:lnTo>
+                  <a:lnTo>
+                    <a:pt x="3188" y="13116"/>
+                  </a:lnTo>
+                  <a:lnTo>
+                    <a:pt x="3504" y="12581"/>
+                  </a:lnTo>
+                  <a:lnTo>
+                    <a:pt x="3845" y="12070"/>
+                  </a:lnTo>
+                  <a:lnTo>
+                    <a:pt x="4039" y="11826"/>
+                  </a:lnTo>
+                  <a:close/>
+                  <a:moveTo>
+                    <a:pt x="4015" y="10391"/>
+                  </a:moveTo>
+                  <a:lnTo>
+                    <a:pt x="4015" y="11218"/>
+                  </a:lnTo>
+                  <a:lnTo>
+                    <a:pt x="4039" y="11364"/>
+                  </a:lnTo>
+                  <a:lnTo>
+                    <a:pt x="3869" y="11486"/>
+                  </a:lnTo>
+                  <a:lnTo>
+                    <a:pt x="3723" y="11656"/>
+                  </a:lnTo>
+                  <a:lnTo>
+                    <a:pt x="3577" y="11826"/>
+                  </a:lnTo>
+                  <a:lnTo>
+                    <a:pt x="3455" y="12021"/>
+                  </a:lnTo>
+                  <a:lnTo>
+                    <a:pt x="3236" y="12386"/>
+                  </a:lnTo>
+                  <a:lnTo>
+                    <a:pt x="3042" y="12702"/>
+                  </a:lnTo>
+                  <a:lnTo>
+                    <a:pt x="2725" y="13238"/>
+                  </a:lnTo>
+                  <a:lnTo>
+                    <a:pt x="2409" y="13773"/>
+                  </a:lnTo>
+                  <a:lnTo>
+                    <a:pt x="2263" y="13968"/>
+                  </a:lnTo>
+                  <a:lnTo>
+                    <a:pt x="2117" y="14138"/>
+                  </a:lnTo>
+                  <a:lnTo>
+                    <a:pt x="1971" y="14333"/>
+                  </a:lnTo>
+                  <a:lnTo>
+                    <a:pt x="1849" y="14527"/>
+                  </a:lnTo>
+                  <a:lnTo>
+                    <a:pt x="1047" y="14600"/>
+                  </a:lnTo>
+                  <a:lnTo>
+                    <a:pt x="1460" y="14089"/>
+                  </a:lnTo>
+                  <a:lnTo>
+                    <a:pt x="1825" y="13554"/>
+                  </a:lnTo>
+                  <a:lnTo>
+                    <a:pt x="2214" y="13019"/>
+                  </a:lnTo>
+                  <a:lnTo>
+                    <a:pt x="2604" y="12508"/>
+                  </a:lnTo>
+                  <a:lnTo>
+                    <a:pt x="2823" y="12240"/>
+                  </a:lnTo>
+                  <a:lnTo>
+                    <a:pt x="3017" y="11972"/>
+                  </a:lnTo>
+                  <a:lnTo>
+                    <a:pt x="3382" y="11388"/>
+                  </a:lnTo>
+                  <a:lnTo>
+                    <a:pt x="3723" y="10902"/>
+                  </a:lnTo>
+                  <a:lnTo>
+                    <a:pt x="3869" y="10634"/>
+                  </a:lnTo>
+                  <a:lnTo>
+                    <a:pt x="4015" y="10391"/>
+                  </a:lnTo>
+                  <a:close/>
+                  <a:moveTo>
+                    <a:pt x="4015" y="9271"/>
+                  </a:moveTo>
+                  <a:lnTo>
+                    <a:pt x="4015" y="10147"/>
+                  </a:lnTo>
+                  <a:lnTo>
+                    <a:pt x="3893" y="10220"/>
+                  </a:lnTo>
+                  <a:lnTo>
+                    <a:pt x="3796" y="10318"/>
+                  </a:lnTo>
+                  <a:lnTo>
+                    <a:pt x="3626" y="10512"/>
+                  </a:lnTo>
+                  <a:lnTo>
+                    <a:pt x="3455" y="10731"/>
+                  </a:lnTo>
+                  <a:lnTo>
+                    <a:pt x="3285" y="10975"/>
+                  </a:lnTo>
+                  <a:lnTo>
+                    <a:pt x="2847" y="11632"/>
+                  </a:lnTo>
+                  <a:lnTo>
+                    <a:pt x="2628" y="11972"/>
+                  </a:lnTo>
+                  <a:lnTo>
+                    <a:pt x="2385" y="12289"/>
+                  </a:lnTo>
+                  <a:lnTo>
+                    <a:pt x="1947" y="12873"/>
+                  </a:lnTo>
+                  <a:lnTo>
+                    <a:pt x="1509" y="13481"/>
+                  </a:lnTo>
+                  <a:lnTo>
+                    <a:pt x="1071" y="14065"/>
+                  </a:lnTo>
+                  <a:lnTo>
+                    <a:pt x="828" y="14333"/>
+                  </a:lnTo>
+                  <a:lnTo>
+                    <a:pt x="584" y="14625"/>
+                  </a:lnTo>
+                  <a:lnTo>
+                    <a:pt x="609" y="14430"/>
+                  </a:lnTo>
+                  <a:lnTo>
+                    <a:pt x="609" y="14235"/>
+                  </a:lnTo>
+                  <a:lnTo>
+                    <a:pt x="609" y="13895"/>
+                  </a:lnTo>
+                  <a:lnTo>
+                    <a:pt x="1120" y="13213"/>
+                  </a:lnTo>
+                  <a:lnTo>
+                    <a:pt x="1631" y="12556"/>
+                  </a:lnTo>
+                  <a:lnTo>
+                    <a:pt x="2677" y="11242"/>
+                  </a:lnTo>
+                  <a:lnTo>
+                    <a:pt x="3090" y="10658"/>
+                  </a:lnTo>
+                  <a:lnTo>
+                    <a:pt x="3480" y="10050"/>
+                  </a:lnTo>
+                  <a:lnTo>
+                    <a:pt x="3747" y="9661"/>
+                  </a:lnTo>
+                  <a:lnTo>
+                    <a:pt x="4015" y="9271"/>
+                  </a:lnTo>
+                  <a:close/>
+                  <a:moveTo>
+                    <a:pt x="10341" y="488"/>
+                  </a:moveTo>
+                  <a:lnTo>
+                    <a:pt x="10536" y="512"/>
+                  </a:lnTo>
+                  <a:lnTo>
+                    <a:pt x="10755" y="536"/>
+                  </a:lnTo>
+                  <a:lnTo>
+                    <a:pt x="10950" y="585"/>
+                  </a:lnTo>
+                  <a:lnTo>
+                    <a:pt x="11071" y="609"/>
+                  </a:lnTo>
+                  <a:lnTo>
+                    <a:pt x="11169" y="658"/>
+                  </a:lnTo>
+                  <a:lnTo>
+                    <a:pt x="11266" y="731"/>
+                  </a:lnTo>
+                  <a:lnTo>
+                    <a:pt x="11339" y="828"/>
+                  </a:lnTo>
+                  <a:lnTo>
+                    <a:pt x="11485" y="999"/>
+                  </a:lnTo>
+                  <a:lnTo>
+                    <a:pt x="11582" y="1217"/>
+                  </a:lnTo>
+                  <a:lnTo>
+                    <a:pt x="11655" y="1436"/>
+                  </a:lnTo>
+                  <a:lnTo>
+                    <a:pt x="11704" y="1680"/>
+                  </a:lnTo>
+                  <a:lnTo>
+                    <a:pt x="11728" y="1923"/>
+                  </a:lnTo>
+                  <a:lnTo>
+                    <a:pt x="11728" y="2385"/>
+                  </a:lnTo>
+                  <a:lnTo>
+                    <a:pt x="11680" y="2848"/>
+                  </a:lnTo>
+                  <a:lnTo>
+                    <a:pt x="11582" y="3310"/>
+                  </a:lnTo>
+                  <a:lnTo>
+                    <a:pt x="11461" y="3772"/>
+                  </a:lnTo>
+                  <a:lnTo>
+                    <a:pt x="11315" y="4210"/>
+                  </a:lnTo>
+                  <a:lnTo>
+                    <a:pt x="10974" y="5111"/>
+                  </a:lnTo>
+                  <a:lnTo>
+                    <a:pt x="10804" y="5549"/>
+                  </a:lnTo>
+                  <a:lnTo>
+                    <a:pt x="10658" y="5987"/>
+                  </a:lnTo>
+                  <a:lnTo>
+                    <a:pt x="10658" y="6084"/>
+                  </a:lnTo>
+                  <a:lnTo>
+                    <a:pt x="10658" y="6181"/>
+                  </a:lnTo>
+                  <a:lnTo>
+                    <a:pt x="10731" y="6254"/>
+                  </a:lnTo>
+                  <a:lnTo>
+                    <a:pt x="10779" y="6303"/>
+                  </a:lnTo>
+                  <a:lnTo>
+                    <a:pt x="10877" y="6327"/>
+                  </a:lnTo>
+                  <a:lnTo>
+                    <a:pt x="10950" y="6327"/>
+                  </a:lnTo>
+                  <a:lnTo>
+                    <a:pt x="11047" y="6303"/>
+                  </a:lnTo>
+                  <a:lnTo>
+                    <a:pt x="11120" y="6279"/>
+                  </a:lnTo>
+                  <a:lnTo>
+                    <a:pt x="11388" y="6303"/>
+                  </a:lnTo>
+                  <a:lnTo>
+                    <a:pt x="11655" y="6327"/>
+                  </a:lnTo>
+                  <a:lnTo>
+                    <a:pt x="12215" y="6352"/>
+                  </a:lnTo>
+                  <a:lnTo>
+                    <a:pt x="12775" y="6327"/>
+                  </a:lnTo>
+                  <a:lnTo>
+                    <a:pt x="13310" y="6327"/>
+                  </a:lnTo>
+                  <a:lnTo>
+                    <a:pt x="13748" y="6352"/>
+                  </a:lnTo>
+                  <a:lnTo>
+                    <a:pt x="14210" y="6425"/>
+                  </a:lnTo>
+                  <a:lnTo>
+                    <a:pt x="14673" y="6498"/>
+                  </a:lnTo>
+                  <a:lnTo>
+                    <a:pt x="15111" y="6595"/>
+                  </a:lnTo>
+                  <a:lnTo>
+                    <a:pt x="15476" y="6668"/>
+                  </a:lnTo>
+                  <a:lnTo>
+                    <a:pt x="15841" y="6790"/>
+                  </a:lnTo>
+                  <a:lnTo>
+                    <a:pt x="16011" y="6887"/>
+                  </a:lnTo>
+                  <a:lnTo>
+                    <a:pt x="16157" y="6960"/>
+                  </a:lnTo>
+                  <a:lnTo>
+                    <a:pt x="16327" y="7082"/>
+                  </a:lnTo>
+                  <a:lnTo>
+                    <a:pt x="16449" y="7203"/>
+                  </a:lnTo>
+                  <a:lnTo>
+                    <a:pt x="16546" y="7301"/>
+                  </a:lnTo>
+                  <a:lnTo>
+                    <a:pt x="16619" y="7398"/>
+                  </a:lnTo>
+                  <a:lnTo>
+                    <a:pt x="16644" y="7520"/>
+                  </a:lnTo>
+                  <a:lnTo>
+                    <a:pt x="16668" y="7641"/>
+                  </a:lnTo>
+                  <a:lnTo>
+                    <a:pt x="16692" y="7763"/>
+                  </a:lnTo>
+                  <a:lnTo>
+                    <a:pt x="16668" y="7885"/>
+                  </a:lnTo>
+                  <a:lnTo>
+                    <a:pt x="16644" y="8031"/>
+                  </a:lnTo>
+                  <a:lnTo>
+                    <a:pt x="16595" y="8152"/>
+                  </a:lnTo>
+                  <a:lnTo>
+                    <a:pt x="16473" y="8371"/>
+                  </a:lnTo>
+                  <a:lnTo>
+                    <a:pt x="16303" y="8566"/>
+                  </a:lnTo>
+                  <a:lnTo>
+                    <a:pt x="16206" y="8663"/>
+                  </a:lnTo>
+                  <a:lnTo>
+                    <a:pt x="16108" y="8736"/>
+                  </a:lnTo>
+                  <a:lnTo>
+                    <a:pt x="15987" y="8785"/>
+                  </a:lnTo>
+                  <a:lnTo>
+                    <a:pt x="15889" y="8834"/>
+                  </a:lnTo>
+                  <a:lnTo>
+                    <a:pt x="15792" y="8882"/>
+                  </a:lnTo>
+                  <a:lnTo>
+                    <a:pt x="15719" y="8955"/>
+                  </a:lnTo>
+                  <a:lnTo>
+                    <a:pt x="15695" y="9053"/>
+                  </a:lnTo>
+                  <a:lnTo>
+                    <a:pt x="15719" y="9150"/>
+                  </a:lnTo>
+                  <a:lnTo>
+                    <a:pt x="15743" y="9247"/>
+                  </a:lnTo>
+                  <a:lnTo>
+                    <a:pt x="15816" y="9296"/>
+                  </a:lnTo>
+                  <a:lnTo>
+                    <a:pt x="15914" y="9344"/>
+                  </a:lnTo>
+                  <a:lnTo>
+                    <a:pt x="16035" y="9344"/>
+                  </a:lnTo>
+                  <a:lnTo>
+                    <a:pt x="16157" y="9296"/>
+                  </a:lnTo>
+                  <a:lnTo>
+                    <a:pt x="16279" y="9393"/>
+                  </a:lnTo>
+                  <a:lnTo>
+                    <a:pt x="16376" y="9490"/>
+                  </a:lnTo>
+                  <a:lnTo>
+                    <a:pt x="16425" y="9636"/>
+                  </a:lnTo>
+                  <a:lnTo>
+                    <a:pt x="16473" y="9782"/>
+                  </a:lnTo>
+                  <a:lnTo>
+                    <a:pt x="16473" y="9953"/>
+                  </a:lnTo>
+                  <a:lnTo>
+                    <a:pt x="16449" y="10123"/>
+                  </a:lnTo>
+                  <a:lnTo>
+                    <a:pt x="16376" y="10415"/>
+                  </a:lnTo>
+                  <a:lnTo>
+                    <a:pt x="16303" y="10610"/>
+                  </a:lnTo>
+                  <a:lnTo>
+                    <a:pt x="16206" y="10756"/>
+                  </a:lnTo>
+                  <a:lnTo>
+                    <a:pt x="16084" y="10902"/>
+                  </a:lnTo>
+                  <a:lnTo>
+                    <a:pt x="15938" y="11023"/>
+                  </a:lnTo>
+                  <a:lnTo>
+                    <a:pt x="15743" y="11145"/>
+                  </a:lnTo>
+                  <a:lnTo>
+                    <a:pt x="15670" y="11194"/>
+                  </a:lnTo>
+                  <a:lnTo>
+                    <a:pt x="15622" y="11315"/>
+                  </a:lnTo>
+                  <a:lnTo>
+                    <a:pt x="15622" y="11388"/>
+                  </a:lnTo>
+                  <a:lnTo>
+                    <a:pt x="15646" y="11437"/>
+                  </a:lnTo>
+                  <a:lnTo>
+                    <a:pt x="15670" y="11486"/>
+                  </a:lnTo>
+                  <a:lnTo>
+                    <a:pt x="15719" y="11510"/>
+                  </a:lnTo>
+                  <a:lnTo>
+                    <a:pt x="15792" y="11559"/>
+                  </a:lnTo>
+                  <a:lnTo>
+                    <a:pt x="15889" y="11583"/>
+                  </a:lnTo>
+                  <a:lnTo>
+                    <a:pt x="15962" y="11753"/>
+                  </a:lnTo>
+                  <a:lnTo>
+                    <a:pt x="15987" y="11924"/>
+                  </a:lnTo>
+                  <a:lnTo>
+                    <a:pt x="16011" y="12070"/>
+                  </a:lnTo>
+                  <a:lnTo>
+                    <a:pt x="15987" y="12410"/>
+                  </a:lnTo>
+                  <a:lnTo>
+                    <a:pt x="15962" y="12678"/>
+                  </a:lnTo>
+                  <a:lnTo>
+                    <a:pt x="15914" y="12824"/>
+                  </a:lnTo>
+                  <a:lnTo>
+                    <a:pt x="15865" y="12994"/>
+                  </a:lnTo>
+                  <a:lnTo>
+                    <a:pt x="15792" y="13140"/>
+                  </a:lnTo>
+                  <a:lnTo>
+                    <a:pt x="15719" y="13262"/>
+                  </a:lnTo>
+                  <a:lnTo>
+                    <a:pt x="15622" y="13335"/>
+                  </a:lnTo>
+                  <a:lnTo>
+                    <a:pt x="15549" y="13359"/>
+                  </a:lnTo>
+                  <a:lnTo>
+                    <a:pt x="15500" y="13359"/>
+                  </a:lnTo>
+                  <a:lnTo>
+                    <a:pt x="15403" y="13384"/>
+                  </a:lnTo>
+                  <a:lnTo>
+                    <a:pt x="15330" y="13432"/>
+                  </a:lnTo>
+                  <a:lnTo>
+                    <a:pt x="15281" y="13505"/>
+                  </a:lnTo>
+                  <a:lnTo>
+                    <a:pt x="15257" y="13578"/>
+                  </a:lnTo>
+                  <a:lnTo>
+                    <a:pt x="15257" y="13676"/>
+                  </a:lnTo>
+                  <a:lnTo>
+                    <a:pt x="15281" y="13749"/>
+                  </a:lnTo>
+                  <a:lnTo>
+                    <a:pt x="15354" y="13797"/>
+                  </a:lnTo>
+                  <a:lnTo>
+                    <a:pt x="15427" y="13846"/>
+                  </a:lnTo>
+                  <a:lnTo>
+                    <a:pt x="15524" y="13846"/>
+                  </a:lnTo>
+                  <a:lnTo>
+                    <a:pt x="15573" y="14089"/>
+                  </a:lnTo>
+                  <a:lnTo>
+                    <a:pt x="15622" y="14357"/>
+                  </a:lnTo>
+                  <a:lnTo>
+                    <a:pt x="15622" y="14479"/>
+                  </a:lnTo>
+                  <a:lnTo>
+                    <a:pt x="15622" y="14600"/>
+                  </a:lnTo>
+                  <a:lnTo>
+                    <a:pt x="15597" y="14722"/>
+                  </a:lnTo>
+                  <a:lnTo>
+                    <a:pt x="15549" y="14868"/>
+                  </a:lnTo>
+                  <a:lnTo>
+                    <a:pt x="15476" y="14965"/>
+                  </a:lnTo>
+                  <a:lnTo>
+                    <a:pt x="15403" y="15063"/>
+                  </a:lnTo>
+                  <a:lnTo>
+                    <a:pt x="15305" y="15136"/>
+                  </a:lnTo>
+                  <a:lnTo>
+                    <a:pt x="15208" y="15184"/>
+                  </a:lnTo>
+                  <a:lnTo>
+                    <a:pt x="15208" y="15184"/>
+                  </a:lnTo>
+                  <a:lnTo>
+                    <a:pt x="15257" y="14917"/>
+                  </a:lnTo>
+                  <a:lnTo>
+                    <a:pt x="15330" y="14625"/>
+                  </a:lnTo>
+                  <a:lnTo>
+                    <a:pt x="15330" y="14600"/>
+                  </a:lnTo>
+                  <a:lnTo>
+                    <a:pt x="15330" y="14552"/>
+                  </a:lnTo>
+                  <a:lnTo>
+                    <a:pt x="15281" y="14527"/>
+                  </a:lnTo>
+                  <a:lnTo>
+                    <a:pt x="15208" y="14503"/>
+                  </a:lnTo>
+                  <a:lnTo>
+                    <a:pt x="15184" y="14527"/>
+                  </a:lnTo>
+                  <a:lnTo>
+                    <a:pt x="15159" y="14552"/>
+                  </a:lnTo>
+                  <a:lnTo>
+                    <a:pt x="15013" y="14917"/>
+                  </a:lnTo>
+                  <a:lnTo>
+                    <a:pt x="14965" y="15087"/>
+                  </a:lnTo>
+                  <a:lnTo>
+                    <a:pt x="14965" y="15282"/>
+                  </a:lnTo>
+                  <a:lnTo>
+                    <a:pt x="14648" y="15355"/>
+                  </a:lnTo>
+                  <a:lnTo>
+                    <a:pt x="14721" y="15038"/>
+                  </a:lnTo>
+                  <a:lnTo>
+                    <a:pt x="14819" y="14673"/>
+                  </a:lnTo>
+                  <a:lnTo>
+                    <a:pt x="14867" y="14308"/>
+                  </a:lnTo>
+                  <a:lnTo>
+                    <a:pt x="14867" y="14284"/>
+                  </a:lnTo>
+                  <a:lnTo>
+                    <a:pt x="14843" y="14235"/>
+                  </a:lnTo>
+                  <a:lnTo>
+                    <a:pt x="14794" y="14211"/>
+                  </a:lnTo>
+                  <a:lnTo>
+                    <a:pt x="14721" y="14235"/>
+                  </a:lnTo>
+                  <a:lnTo>
+                    <a:pt x="14673" y="14260"/>
+                  </a:lnTo>
+                  <a:lnTo>
+                    <a:pt x="14673" y="14284"/>
+                  </a:lnTo>
+                  <a:lnTo>
+                    <a:pt x="14551" y="14625"/>
+                  </a:lnTo>
+                  <a:lnTo>
+                    <a:pt x="14454" y="14965"/>
+                  </a:lnTo>
+                  <a:lnTo>
+                    <a:pt x="14356" y="15184"/>
+                  </a:lnTo>
+                  <a:lnTo>
+                    <a:pt x="14332" y="15306"/>
+                  </a:lnTo>
+                  <a:lnTo>
+                    <a:pt x="14332" y="15403"/>
+                  </a:lnTo>
+                  <a:lnTo>
+                    <a:pt x="14064" y="15428"/>
+                  </a:lnTo>
+                  <a:lnTo>
+                    <a:pt x="14064" y="15428"/>
+                  </a:lnTo>
+                  <a:lnTo>
+                    <a:pt x="14089" y="15379"/>
+                  </a:lnTo>
+                  <a:lnTo>
+                    <a:pt x="14089" y="15330"/>
+                  </a:lnTo>
+                  <a:lnTo>
+                    <a:pt x="14113" y="15063"/>
+                  </a:lnTo>
+                  <a:lnTo>
+                    <a:pt x="14162" y="14771"/>
+                  </a:lnTo>
+                  <a:lnTo>
+                    <a:pt x="14235" y="14503"/>
+                  </a:lnTo>
+                  <a:lnTo>
+                    <a:pt x="14356" y="14260"/>
+                  </a:lnTo>
+                  <a:lnTo>
+                    <a:pt x="14356" y="14211"/>
+                  </a:lnTo>
+                  <a:lnTo>
+                    <a:pt x="14332" y="14162"/>
+                  </a:lnTo>
+                  <a:lnTo>
+                    <a:pt x="14283" y="14138"/>
+                  </a:lnTo>
+                  <a:lnTo>
+                    <a:pt x="14235" y="14162"/>
+                  </a:lnTo>
+                  <a:lnTo>
+                    <a:pt x="14064" y="14430"/>
+                  </a:lnTo>
+                  <a:lnTo>
+                    <a:pt x="13918" y="14722"/>
+                  </a:lnTo>
+                  <a:lnTo>
+                    <a:pt x="13845" y="14868"/>
+                  </a:lnTo>
+                  <a:lnTo>
+                    <a:pt x="13821" y="15014"/>
+                  </a:lnTo>
+                  <a:lnTo>
+                    <a:pt x="13797" y="15160"/>
+                  </a:lnTo>
+                  <a:lnTo>
+                    <a:pt x="13797" y="15330"/>
+                  </a:lnTo>
+                  <a:lnTo>
+                    <a:pt x="13821" y="15379"/>
+                  </a:lnTo>
+                  <a:lnTo>
+                    <a:pt x="13845" y="15428"/>
+                  </a:lnTo>
+                  <a:lnTo>
+                    <a:pt x="13383" y="15428"/>
+                  </a:lnTo>
+                  <a:lnTo>
+                    <a:pt x="13432" y="15209"/>
+                  </a:lnTo>
+                  <a:lnTo>
+                    <a:pt x="13456" y="14990"/>
+                  </a:lnTo>
+                  <a:lnTo>
+                    <a:pt x="13505" y="14771"/>
+                  </a:lnTo>
+                  <a:lnTo>
+                    <a:pt x="13578" y="14552"/>
+                  </a:lnTo>
+                  <a:lnTo>
+                    <a:pt x="13748" y="14114"/>
+                  </a:lnTo>
+                  <a:lnTo>
+                    <a:pt x="13748" y="14089"/>
+                  </a:lnTo>
+                  <a:lnTo>
+                    <a:pt x="13748" y="14065"/>
+                  </a:lnTo>
+                  <a:lnTo>
+                    <a:pt x="13699" y="14016"/>
+                  </a:lnTo>
+                  <a:lnTo>
+                    <a:pt x="13651" y="14016"/>
+                  </a:lnTo>
+                  <a:lnTo>
+                    <a:pt x="13602" y="14065"/>
+                  </a:lnTo>
+                  <a:lnTo>
+                    <a:pt x="13456" y="14260"/>
+                  </a:lnTo>
+                  <a:lnTo>
+                    <a:pt x="13334" y="14454"/>
+                  </a:lnTo>
+                  <a:lnTo>
+                    <a:pt x="13237" y="14673"/>
+                  </a:lnTo>
+                  <a:lnTo>
+                    <a:pt x="13140" y="14917"/>
+                  </a:lnTo>
+                  <a:lnTo>
+                    <a:pt x="13067" y="15136"/>
+                  </a:lnTo>
+                  <a:lnTo>
+                    <a:pt x="13042" y="15282"/>
+                  </a:lnTo>
+                  <a:lnTo>
+                    <a:pt x="13042" y="15403"/>
+                  </a:lnTo>
+                  <a:lnTo>
+                    <a:pt x="12556" y="15330"/>
+                  </a:lnTo>
+                  <a:lnTo>
+                    <a:pt x="12604" y="15038"/>
+                  </a:lnTo>
+                  <a:lnTo>
+                    <a:pt x="12677" y="14746"/>
+                  </a:lnTo>
+                  <a:lnTo>
+                    <a:pt x="12775" y="14479"/>
+                  </a:lnTo>
+                  <a:lnTo>
+                    <a:pt x="12921" y="14211"/>
+                  </a:lnTo>
+                  <a:lnTo>
+                    <a:pt x="12921" y="14162"/>
+                  </a:lnTo>
+                  <a:lnTo>
+                    <a:pt x="12896" y="14114"/>
+                  </a:lnTo>
+                  <a:lnTo>
+                    <a:pt x="12799" y="14114"/>
+                  </a:lnTo>
+                  <a:lnTo>
+                    <a:pt x="12702" y="14235"/>
+                  </a:lnTo>
+                  <a:lnTo>
+                    <a:pt x="12604" y="14357"/>
+                  </a:lnTo>
+                  <a:lnTo>
+                    <a:pt x="12507" y="14479"/>
+                  </a:lnTo>
+                  <a:lnTo>
+                    <a:pt x="12410" y="14649"/>
+                  </a:lnTo>
+                  <a:lnTo>
+                    <a:pt x="12337" y="14795"/>
+                  </a:lnTo>
+                  <a:lnTo>
+                    <a:pt x="12288" y="14965"/>
+                  </a:lnTo>
+                  <a:lnTo>
+                    <a:pt x="12239" y="15136"/>
+                  </a:lnTo>
+                  <a:lnTo>
+                    <a:pt x="12239" y="15282"/>
+                  </a:lnTo>
+                  <a:lnTo>
+                    <a:pt x="11801" y="15233"/>
+                  </a:lnTo>
+                  <a:lnTo>
+                    <a:pt x="11753" y="15209"/>
+                  </a:lnTo>
+                  <a:lnTo>
+                    <a:pt x="11874" y="14941"/>
+                  </a:lnTo>
+                  <a:lnTo>
+                    <a:pt x="11947" y="14673"/>
+                  </a:lnTo>
+                  <a:lnTo>
+                    <a:pt x="12118" y="14114"/>
+                  </a:lnTo>
+                  <a:lnTo>
+                    <a:pt x="12118" y="14089"/>
+                  </a:lnTo>
+                  <a:lnTo>
+                    <a:pt x="12118" y="14065"/>
+                  </a:lnTo>
+                  <a:lnTo>
+                    <a:pt x="12093" y="14065"/>
+                  </a:lnTo>
+                  <a:lnTo>
+                    <a:pt x="12069" y="14089"/>
+                  </a:lnTo>
+                  <a:lnTo>
+                    <a:pt x="11874" y="14357"/>
+                  </a:lnTo>
+                  <a:lnTo>
+                    <a:pt x="11680" y="14600"/>
+                  </a:lnTo>
+                  <a:lnTo>
+                    <a:pt x="11509" y="14868"/>
+                  </a:lnTo>
+                  <a:lnTo>
+                    <a:pt x="11363" y="15136"/>
+                  </a:lnTo>
+                  <a:lnTo>
+                    <a:pt x="11363" y="15160"/>
+                  </a:lnTo>
+                  <a:lnTo>
+                    <a:pt x="10974" y="15087"/>
+                  </a:lnTo>
+                  <a:lnTo>
+                    <a:pt x="11096" y="14990"/>
+                  </a:lnTo>
+                  <a:lnTo>
+                    <a:pt x="11169" y="14868"/>
+                  </a:lnTo>
+                  <a:lnTo>
+                    <a:pt x="11290" y="14600"/>
+                  </a:lnTo>
+                  <a:lnTo>
+                    <a:pt x="11655" y="13870"/>
+                  </a:lnTo>
+                  <a:lnTo>
+                    <a:pt x="11680" y="13846"/>
+                  </a:lnTo>
+                  <a:lnTo>
+                    <a:pt x="11680" y="13822"/>
+                  </a:lnTo>
+                  <a:lnTo>
+                    <a:pt x="11631" y="13773"/>
+                  </a:lnTo>
+                  <a:lnTo>
+                    <a:pt x="11558" y="13773"/>
+                  </a:lnTo>
+                  <a:lnTo>
+                    <a:pt x="11534" y="13797"/>
+                  </a:lnTo>
+                  <a:lnTo>
+                    <a:pt x="11144" y="14406"/>
+                  </a:lnTo>
+                  <a:lnTo>
+                    <a:pt x="10974" y="14722"/>
+                  </a:lnTo>
+                  <a:lnTo>
+                    <a:pt x="10901" y="14868"/>
+                  </a:lnTo>
+                  <a:lnTo>
+                    <a:pt x="10877" y="14941"/>
+                  </a:lnTo>
+                  <a:lnTo>
+                    <a:pt x="10877" y="15038"/>
+                  </a:lnTo>
+                  <a:lnTo>
+                    <a:pt x="10901" y="15063"/>
+                  </a:lnTo>
+                  <a:lnTo>
+                    <a:pt x="10341" y="14941"/>
+                  </a:lnTo>
+                  <a:lnTo>
+                    <a:pt x="10487" y="14625"/>
+                  </a:lnTo>
+                  <a:lnTo>
+                    <a:pt x="10633" y="14333"/>
+                  </a:lnTo>
+                  <a:lnTo>
+                    <a:pt x="10804" y="14041"/>
+                  </a:lnTo>
+                  <a:lnTo>
+                    <a:pt x="10998" y="13773"/>
+                  </a:lnTo>
+                  <a:lnTo>
+                    <a:pt x="11023" y="13724"/>
+                  </a:lnTo>
+                  <a:lnTo>
+                    <a:pt x="10998" y="13700"/>
+                  </a:lnTo>
+                  <a:lnTo>
+                    <a:pt x="10950" y="13676"/>
+                  </a:lnTo>
+                  <a:lnTo>
+                    <a:pt x="10901" y="13700"/>
+                  </a:lnTo>
+                  <a:lnTo>
+                    <a:pt x="10658" y="13943"/>
+                  </a:lnTo>
+                  <a:lnTo>
+                    <a:pt x="10414" y="14211"/>
+                  </a:lnTo>
+                  <a:lnTo>
+                    <a:pt x="10317" y="14357"/>
+                  </a:lnTo>
+                  <a:lnTo>
+                    <a:pt x="10220" y="14503"/>
+                  </a:lnTo>
+                  <a:lnTo>
+                    <a:pt x="10147" y="14673"/>
+                  </a:lnTo>
+                  <a:lnTo>
+                    <a:pt x="10098" y="14844"/>
+                  </a:lnTo>
+                  <a:lnTo>
+                    <a:pt x="10098" y="14892"/>
+                  </a:lnTo>
+                  <a:lnTo>
+                    <a:pt x="9709" y="14771"/>
+                  </a:lnTo>
+                  <a:lnTo>
+                    <a:pt x="9757" y="14576"/>
+                  </a:lnTo>
+                  <a:lnTo>
+                    <a:pt x="9830" y="14381"/>
+                  </a:lnTo>
+                  <a:lnTo>
+                    <a:pt x="10001" y="13968"/>
+                  </a:lnTo>
+                  <a:lnTo>
+                    <a:pt x="10147" y="13530"/>
+                  </a:lnTo>
+                  <a:lnTo>
+                    <a:pt x="10147" y="13505"/>
+                  </a:lnTo>
+                  <a:lnTo>
+                    <a:pt x="10122" y="13530"/>
+                  </a:lnTo>
+                  <a:lnTo>
+                    <a:pt x="9879" y="13919"/>
+                  </a:lnTo>
+                  <a:lnTo>
+                    <a:pt x="9636" y="14308"/>
+                  </a:lnTo>
+                  <a:lnTo>
+                    <a:pt x="9539" y="14503"/>
+                  </a:lnTo>
+                  <a:lnTo>
+                    <a:pt x="9466" y="14698"/>
+                  </a:lnTo>
+                  <a:lnTo>
+                    <a:pt x="8906" y="14527"/>
+                  </a:lnTo>
+                  <a:lnTo>
+                    <a:pt x="8979" y="14430"/>
+                  </a:lnTo>
+                  <a:lnTo>
+                    <a:pt x="9028" y="14308"/>
+                  </a:lnTo>
+                  <a:lnTo>
+                    <a:pt x="9149" y="14089"/>
+                  </a:lnTo>
+                  <a:lnTo>
+                    <a:pt x="9344" y="13724"/>
+                  </a:lnTo>
+                  <a:lnTo>
+                    <a:pt x="9417" y="13554"/>
+                  </a:lnTo>
+                  <a:lnTo>
+                    <a:pt x="9490" y="13359"/>
+                  </a:lnTo>
+                  <a:lnTo>
+                    <a:pt x="9490" y="13311"/>
+                  </a:lnTo>
+                  <a:lnTo>
+                    <a:pt x="9441" y="13286"/>
+                  </a:lnTo>
+                  <a:lnTo>
+                    <a:pt x="9393" y="13262"/>
+                  </a:lnTo>
+                  <a:lnTo>
+                    <a:pt x="9368" y="13311"/>
+                  </a:lnTo>
+                  <a:lnTo>
+                    <a:pt x="9247" y="13481"/>
+                  </a:lnTo>
+                  <a:lnTo>
+                    <a:pt x="9149" y="13627"/>
+                  </a:lnTo>
+                  <a:lnTo>
+                    <a:pt x="8906" y="13943"/>
+                  </a:lnTo>
+                  <a:lnTo>
+                    <a:pt x="8736" y="14162"/>
+                  </a:lnTo>
+                  <a:lnTo>
+                    <a:pt x="8663" y="14284"/>
+                  </a:lnTo>
+                  <a:lnTo>
+                    <a:pt x="8638" y="14430"/>
+                  </a:lnTo>
+                  <a:lnTo>
+                    <a:pt x="8419" y="14333"/>
+                  </a:lnTo>
+                  <a:lnTo>
+                    <a:pt x="8492" y="14065"/>
+                  </a:lnTo>
+                  <a:lnTo>
+                    <a:pt x="8541" y="13846"/>
+                  </a:lnTo>
+                  <a:lnTo>
+                    <a:pt x="8711" y="13384"/>
+                  </a:lnTo>
+                  <a:lnTo>
+                    <a:pt x="8833" y="13165"/>
+                  </a:lnTo>
+                  <a:lnTo>
+                    <a:pt x="8955" y="12946"/>
+                  </a:lnTo>
+                  <a:lnTo>
+                    <a:pt x="8955" y="12897"/>
+                  </a:lnTo>
+                  <a:lnTo>
+                    <a:pt x="8930" y="12848"/>
+                  </a:lnTo>
+                  <a:lnTo>
+                    <a:pt x="8882" y="12848"/>
+                  </a:lnTo>
+                  <a:lnTo>
+                    <a:pt x="8833" y="12873"/>
+                  </a:lnTo>
+                  <a:lnTo>
+                    <a:pt x="8687" y="13092"/>
+                  </a:lnTo>
+                  <a:lnTo>
+                    <a:pt x="8565" y="13286"/>
+                  </a:lnTo>
+                  <a:lnTo>
+                    <a:pt x="8444" y="13505"/>
+                  </a:lnTo>
+                  <a:lnTo>
+                    <a:pt x="8322" y="13749"/>
+                  </a:lnTo>
+                  <a:lnTo>
+                    <a:pt x="8225" y="13968"/>
+                  </a:lnTo>
+                  <a:lnTo>
+                    <a:pt x="8176" y="14089"/>
+                  </a:lnTo>
+                  <a:lnTo>
+                    <a:pt x="8152" y="14211"/>
+                  </a:lnTo>
+                  <a:lnTo>
+                    <a:pt x="7762" y="14041"/>
+                  </a:lnTo>
+                  <a:lnTo>
+                    <a:pt x="7908" y="13627"/>
+                  </a:lnTo>
+                  <a:lnTo>
+                    <a:pt x="8103" y="13213"/>
+                  </a:lnTo>
+                  <a:lnTo>
+                    <a:pt x="8322" y="12800"/>
+                  </a:lnTo>
+                  <a:lnTo>
+                    <a:pt x="8322" y="12751"/>
+                  </a:lnTo>
+                  <a:lnTo>
+                    <a:pt x="8298" y="12727"/>
+                  </a:lnTo>
+                  <a:lnTo>
+                    <a:pt x="8249" y="12727"/>
+                  </a:lnTo>
+                  <a:lnTo>
+                    <a:pt x="7908" y="13140"/>
+                  </a:lnTo>
+                  <a:lnTo>
+                    <a:pt x="7762" y="13335"/>
+                  </a:lnTo>
+                  <a:lnTo>
+                    <a:pt x="7616" y="13578"/>
+                  </a:lnTo>
+                  <a:lnTo>
+                    <a:pt x="7543" y="13700"/>
+                  </a:lnTo>
+                  <a:lnTo>
+                    <a:pt x="7470" y="13870"/>
+                  </a:lnTo>
+                  <a:lnTo>
+                    <a:pt x="7130" y="13700"/>
+                  </a:lnTo>
+                  <a:lnTo>
+                    <a:pt x="7154" y="13554"/>
+                  </a:lnTo>
+                  <a:lnTo>
+                    <a:pt x="7178" y="13408"/>
+                  </a:lnTo>
+                  <a:lnTo>
+                    <a:pt x="7300" y="13165"/>
+                  </a:lnTo>
+                  <a:lnTo>
+                    <a:pt x="7495" y="12751"/>
+                  </a:lnTo>
+                  <a:lnTo>
+                    <a:pt x="7689" y="12313"/>
+                  </a:lnTo>
+                  <a:lnTo>
+                    <a:pt x="7689" y="12289"/>
+                  </a:lnTo>
+                  <a:lnTo>
+                    <a:pt x="7665" y="12264"/>
+                  </a:lnTo>
+                  <a:lnTo>
+                    <a:pt x="7641" y="12264"/>
+                  </a:lnTo>
+                  <a:lnTo>
+                    <a:pt x="7616" y="12289"/>
+                  </a:lnTo>
+                  <a:lnTo>
+                    <a:pt x="7397" y="12581"/>
+                  </a:lnTo>
+                  <a:lnTo>
+                    <a:pt x="7178" y="12873"/>
+                  </a:lnTo>
+                  <a:lnTo>
+                    <a:pt x="7081" y="13043"/>
+                  </a:lnTo>
+                  <a:lnTo>
+                    <a:pt x="7008" y="13189"/>
+                  </a:lnTo>
+                  <a:lnTo>
+                    <a:pt x="6935" y="13359"/>
+                  </a:lnTo>
+                  <a:lnTo>
+                    <a:pt x="6886" y="13530"/>
+                  </a:lnTo>
+                  <a:lnTo>
+                    <a:pt x="6570" y="13335"/>
+                  </a:lnTo>
+                  <a:lnTo>
+                    <a:pt x="6692" y="13043"/>
+                  </a:lnTo>
+                  <a:lnTo>
+                    <a:pt x="6813" y="12751"/>
+                  </a:lnTo>
+                  <a:lnTo>
+                    <a:pt x="7105" y="12216"/>
+                  </a:lnTo>
+                  <a:lnTo>
+                    <a:pt x="7130" y="12191"/>
+                  </a:lnTo>
+                  <a:lnTo>
+                    <a:pt x="7105" y="12167"/>
+                  </a:lnTo>
+                  <a:lnTo>
+                    <a:pt x="7057" y="12167"/>
+                  </a:lnTo>
+                  <a:lnTo>
+                    <a:pt x="6838" y="12386"/>
+                  </a:lnTo>
+                  <a:lnTo>
+                    <a:pt x="6619" y="12629"/>
+                  </a:lnTo>
+                  <a:lnTo>
+                    <a:pt x="6448" y="12897"/>
+                  </a:lnTo>
+                  <a:lnTo>
+                    <a:pt x="6327" y="13165"/>
+                  </a:lnTo>
+                  <a:lnTo>
+                    <a:pt x="6254" y="13165"/>
+                  </a:lnTo>
+                  <a:lnTo>
+                    <a:pt x="6181" y="13189"/>
+                  </a:lnTo>
+                  <a:lnTo>
+                    <a:pt x="6132" y="13238"/>
+                  </a:lnTo>
+                  <a:lnTo>
+                    <a:pt x="6083" y="13286"/>
+                  </a:lnTo>
+                  <a:lnTo>
+                    <a:pt x="5937" y="13238"/>
+                  </a:lnTo>
+                  <a:lnTo>
+                    <a:pt x="5791" y="13213"/>
+                  </a:lnTo>
+                  <a:lnTo>
+                    <a:pt x="5816" y="13140"/>
+                  </a:lnTo>
+                  <a:lnTo>
+                    <a:pt x="6059" y="12654"/>
+                  </a:lnTo>
+                  <a:lnTo>
+                    <a:pt x="6254" y="12264"/>
+                  </a:lnTo>
+                  <a:lnTo>
+                    <a:pt x="6351" y="12045"/>
+                  </a:lnTo>
+                  <a:lnTo>
+                    <a:pt x="6424" y="11851"/>
+                  </a:lnTo>
+                  <a:lnTo>
+                    <a:pt x="6424" y="11826"/>
+                  </a:lnTo>
+                  <a:lnTo>
+                    <a:pt x="6400" y="11802"/>
+                  </a:lnTo>
+                  <a:lnTo>
+                    <a:pt x="6375" y="11802"/>
+                  </a:lnTo>
+                  <a:lnTo>
+                    <a:pt x="6351" y="11826"/>
+                  </a:lnTo>
+                  <a:lnTo>
+                    <a:pt x="6108" y="12143"/>
+                  </a:lnTo>
+                  <a:lnTo>
+                    <a:pt x="5864" y="12459"/>
+                  </a:lnTo>
+                  <a:lnTo>
+                    <a:pt x="5743" y="12654"/>
+                  </a:lnTo>
+                  <a:lnTo>
+                    <a:pt x="5621" y="12824"/>
+                  </a:lnTo>
+                  <a:lnTo>
+                    <a:pt x="5548" y="13019"/>
+                  </a:lnTo>
+                  <a:lnTo>
+                    <a:pt x="5475" y="13213"/>
+                  </a:lnTo>
+                  <a:lnTo>
+                    <a:pt x="5451" y="13213"/>
+                  </a:lnTo>
+                  <a:lnTo>
+                    <a:pt x="5183" y="13189"/>
+                  </a:lnTo>
+                  <a:lnTo>
+                    <a:pt x="4891" y="13213"/>
+                  </a:lnTo>
+                  <a:lnTo>
+                    <a:pt x="5037" y="12921"/>
+                  </a:lnTo>
+                  <a:lnTo>
+                    <a:pt x="5353" y="12410"/>
+                  </a:lnTo>
+                  <a:lnTo>
+                    <a:pt x="5451" y="12240"/>
+                  </a:lnTo>
+                  <a:lnTo>
+                    <a:pt x="5524" y="12070"/>
+                  </a:lnTo>
+                  <a:lnTo>
+                    <a:pt x="5548" y="11972"/>
+                  </a:lnTo>
+                  <a:lnTo>
+                    <a:pt x="5548" y="11899"/>
+                  </a:lnTo>
+                  <a:lnTo>
+                    <a:pt x="5524" y="11802"/>
+                  </a:lnTo>
+                  <a:lnTo>
+                    <a:pt x="5475" y="11729"/>
+                  </a:lnTo>
+                  <a:lnTo>
+                    <a:pt x="5451" y="11729"/>
+                  </a:lnTo>
+                  <a:lnTo>
+                    <a:pt x="5451" y="11753"/>
+                  </a:lnTo>
+                  <a:lnTo>
+                    <a:pt x="5426" y="11802"/>
+                  </a:lnTo>
+                  <a:lnTo>
+                    <a:pt x="5378" y="11875"/>
+                  </a:lnTo>
+                  <a:lnTo>
+                    <a:pt x="5280" y="11997"/>
+                  </a:lnTo>
+                  <a:lnTo>
+                    <a:pt x="4988" y="12435"/>
+                  </a:lnTo>
+                  <a:lnTo>
+                    <a:pt x="4745" y="12800"/>
+                  </a:lnTo>
+                  <a:lnTo>
+                    <a:pt x="4623" y="13019"/>
+                  </a:lnTo>
+                  <a:lnTo>
+                    <a:pt x="4599" y="13140"/>
+                  </a:lnTo>
+                  <a:lnTo>
+                    <a:pt x="4599" y="13238"/>
+                  </a:lnTo>
+                  <a:lnTo>
+                    <a:pt x="4599" y="13262"/>
+                  </a:lnTo>
+                  <a:lnTo>
+                    <a:pt x="4575" y="13262"/>
+                  </a:lnTo>
+                  <a:lnTo>
+                    <a:pt x="4550" y="11802"/>
+                  </a:lnTo>
+                  <a:lnTo>
+                    <a:pt x="4550" y="10537"/>
+                  </a:lnTo>
+                  <a:lnTo>
+                    <a:pt x="4526" y="9271"/>
+                  </a:lnTo>
+                  <a:lnTo>
+                    <a:pt x="4477" y="8396"/>
+                  </a:lnTo>
+                  <a:lnTo>
+                    <a:pt x="4477" y="7520"/>
+                  </a:lnTo>
+                  <a:lnTo>
+                    <a:pt x="4453" y="7130"/>
+                  </a:lnTo>
+                  <a:lnTo>
+                    <a:pt x="4453" y="6863"/>
+                  </a:lnTo>
+                  <a:lnTo>
+                    <a:pt x="4453" y="6595"/>
+                  </a:lnTo>
+                  <a:lnTo>
+                    <a:pt x="4648" y="6619"/>
+                  </a:lnTo>
+                  <a:lnTo>
+                    <a:pt x="4818" y="6619"/>
+                  </a:lnTo>
+                  <a:lnTo>
+                    <a:pt x="5183" y="6595"/>
+                  </a:lnTo>
+                  <a:lnTo>
+                    <a:pt x="5791" y="6595"/>
+                  </a:lnTo>
+                  <a:lnTo>
+                    <a:pt x="6010" y="6571"/>
+                  </a:lnTo>
+                  <a:lnTo>
+                    <a:pt x="6108" y="6522"/>
+                  </a:lnTo>
+                  <a:lnTo>
+                    <a:pt x="6156" y="6449"/>
+                  </a:lnTo>
+                  <a:lnTo>
+                    <a:pt x="6546" y="6230"/>
+                  </a:lnTo>
+                  <a:lnTo>
+                    <a:pt x="6935" y="5962"/>
+                  </a:lnTo>
+                  <a:lnTo>
+                    <a:pt x="7300" y="5646"/>
+                  </a:lnTo>
+                  <a:lnTo>
+                    <a:pt x="7665" y="5330"/>
+                  </a:lnTo>
+                  <a:lnTo>
+                    <a:pt x="8006" y="4989"/>
+                  </a:lnTo>
+                  <a:lnTo>
+                    <a:pt x="8322" y="4648"/>
+                  </a:lnTo>
+                  <a:lnTo>
+                    <a:pt x="8930" y="3943"/>
+                  </a:lnTo>
+                  <a:lnTo>
+                    <a:pt x="9003" y="3870"/>
+                  </a:lnTo>
+                  <a:lnTo>
+                    <a:pt x="9003" y="3797"/>
+                  </a:lnTo>
+                  <a:lnTo>
+                    <a:pt x="9003" y="3699"/>
+                  </a:lnTo>
+                  <a:lnTo>
+                    <a:pt x="8979" y="3626"/>
+                  </a:lnTo>
+                  <a:lnTo>
+                    <a:pt x="9125" y="3456"/>
+                  </a:lnTo>
+                  <a:lnTo>
+                    <a:pt x="9247" y="3286"/>
+                  </a:lnTo>
+                  <a:lnTo>
+                    <a:pt x="9514" y="2872"/>
+                  </a:lnTo>
+                  <a:lnTo>
+                    <a:pt x="9709" y="2434"/>
+                  </a:lnTo>
+                  <a:lnTo>
+                    <a:pt x="9855" y="2020"/>
+                  </a:lnTo>
+                  <a:lnTo>
+                    <a:pt x="10074" y="1266"/>
+                  </a:lnTo>
+                  <a:lnTo>
+                    <a:pt x="10195" y="877"/>
+                  </a:lnTo>
+                  <a:lnTo>
+                    <a:pt x="10341" y="512"/>
+                  </a:lnTo>
+                  <a:lnTo>
+                    <a:pt x="10341" y="488"/>
+                  </a:lnTo>
+                  <a:close/>
+                  <a:moveTo>
+                    <a:pt x="10536" y="1"/>
+                  </a:moveTo>
+                  <a:lnTo>
+                    <a:pt x="10366" y="25"/>
+                  </a:lnTo>
+                  <a:lnTo>
+                    <a:pt x="10195" y="74"/>
+                  </a:lnTo>
+                  <a:lnTo>
+                    <a:pt x="10049" y="171"/>
+                  </a:lnTo>
+                  <a:lnTo>
+                    <a:pt x="10025" y="196"/>
+                  </a:lnTo>
+                  <a:lnTo>
+                    <a:pt x="9952" y="244"/>
+                  </a:lnTo>
+                  <a:lnTo>
+                    <a:pt x="9903" y="293"/>
+                  </a:lnTo>
+                  <a:lnTo>
+                    <a:pt x="9782" y="415"/>
+                  </a:lnTo>
+                  <a:lnTo>
+                    <a:pt x="9709" y="585"/>
+                  </a:lnTo>
+                  <a:lnTo>
+                    <a:pt x="9636" y="780"/>
+                  </a:lnTo>
+                  <a:lnTo>
+                    <a:pt x="9539" y="1169"/>
+                  </a:lnTo>
+                  <a:lnTo>
+                    <a:pt x="9466" y="1509"/>
+                  </a:lnTo>
+                  <a:lnTo>
+                    <a:pt x="9320" y="1972"/>
+                  </a:lnTo>
+                  <a:lnTo>
+                    <a:pt x="9247" y="2215"/>
+                  </a:lnTo>
+                  <a:lnTo>
+                    <a:pt x="9149" y="2458"/>
+                  </a:lnTo>
+                  <a:lnTo>
+                    <a:pt x="9003" y="2726"/>
+                  </a:lnTo>
+                  <a:lnTo>
+                    <a:pt x="8833" y="2994"/>
+                  </a:lnTo>
+                  <a:lnTo>
+                    <a:pt x="8663" y="3286"/>
+                  </a:lnTo>
+                  <a:lnTo>
+                    <a:pt x="8614" y="3407"/>
+                  </a:lnTo>
+                  <a:lnTo>
+                    <a:pt x="8565" y="3578"/>
+                  </a:lnTo>
+                  <a:lnTo>
+                    <a:pt x="7324" y="4867"/>
+                  </a:lnTo>
+                  <a:lnTo>
+                    <a:pt x="6692" y="5500"/>
+                  </a:lnTo>
+                  <a:lnTo>
+                    <a:pt x="6035" y="6108"/>
+                  </a:lnTo>
+                  <a:lnTo>
+                    <a:pt x="5937" y="6084"/>
+                  </a:lnTo>
+                  <a:lnTo>
+                    <a:pt x="5524" y="6084"/>
+                  </a:lnTo>
+                  <a:lnTo>
+                    <a:pt x="5110" y="6133"/>
+                  </a:lnTo>
+                  <a:lnTo>
+                    <a:pt x="4867" y="6133"/>
+                  </a:lnTo>
+                  <a:lnTo>
+                    <a:pt x="4599" y="6157"/>
+                  </a:lnTo>
+                  <a:lnTo>
+                    <a:pt x="4599" y="6157"/>
+                  </a:lnTo>
+                  <a:lnTo>
+                    <a:pt x="4623" y="6133"/>
+                  </a:lnTo>
+                  <a:lnTo>
+                    <a:pt x="4623" y="6084"/>
+                  </a:lnTo>
+                  <a:lnTo>
+                    <a:pt x="4599" y="5987"/>
+                  </a:lnTo>
+                  <a:lnTo>
+                    <a:pt x="4526" y="5914"/>
+                  </a:lnTo>
+                  <a:lnTo>
+                    <a:pt x="4453" y="5889"/>
+                  </a:lnTo>
+                  <a:lnTo>
+                    <a:pt x="4404" y="5816"/>
+                  </a:lnTo>
+                  <a:lnTo>
+                    <a:pt x="4331" y="5768"/>
+                  </a:lnTo>
+                  <a:lnTo>
+                    <a:pt x="4112" y="5670"/>
+                  </a:lnTo>
+                  <a:lnTo>
+                    <a:pt x="3869" y="5622"/>
+                  </a:lnTo>
+                  <a:lnTo>
+                    <a:pt x="3626" y="5597"/>
+                  </a:lnTo>
+                  <a:lnTo>
+                    <a:pt x="2871" y="5597"/>
+                  </a:lnTo>
+                  <a:lnTo>
+                    <a:pt x="2385" y="5646"/>
+                  </a:lnTo>
+                  <a:lnTo>
+                    <a:pt x="2166" y="5646"/>
+                  </a:lnTo>
+                  <a:lnTo>
+                    <a:pt x="1922" y="5622"/>
+                  </a:lnTo>
+                  <a:lnTo>
+                    <a:pt x="1412" y="5597"/>
+                  </a:lnTo>
+                  <a:lnTo>
+                    <a:pt x="1144" y="5597"/>
+                  </a:lnTo>
+                  <a:lnTo>
+                    <a:pt x="901" y="5622"/>
+                  </a:lnTo>
+                  <a:lnTo>
+                    <a:pt x="682" y="5670"/>
+                  </a:lnTo>
+                  <a:lnTo>
+                    <a:pt x="463" y="5792"/>
+                  </a:lnTo>
+                  <a:lnTo>
+                    <a:pt x="365" y="5792"/>
+                  </a:lnTo>
+                  <a:lnTo>
+                    <a:pt x="317" y="5841"/>
+                  </a:lnTo>
+                  <a:lnTo>
+                    <a:pt x="292" y="5889"/>
+                  </a:lnTo>
+                  <a:lnTo>
+                    <a:pt x="244" y="6133"/>
+                  </a:lnTo>
+                  <a:lnTo>
+                    <a:pt x="219" y="6400"/>
+                  </a:lnTo>
+                  <a:lnTo>
+                    <a:pt x="219" y="6911"/>
+                  </a:lnTo>
+                  <a:lnTo>
+                    <a:pt x="195" y="7422"/>
+                  </a:lnTo>
+                  <a:lnTo>
+                    <a:pt x="171" y="7933"/>
+                  </a:lnTo>
+                  <a:lnTo>
+                    <a:pt x="146" y="8493"/>
+                  </a:lnTo>
+                  <a:lnTo>
+                    <a:pt x="146" y="9028"/>
+                  </a:lnTo>
+                  <a:lnTo>
+                    <a:pt x="146" y="10123"/>
+                  </a:lnTo>
+                  <a:lnTo>
+                    <a:pt x="171" y="10707"/>
+                  </a:lnTo>
+                  <a:lnTo>
+                    <a:pt x="171" y="11267"/>
+                  </a:lnTo>
+                  <a:lnTo>
+                    <a:pt x="122" y="12386"/>
+                  </a:lnTo>
+                  <a:lnTo>
+                    <a:pt x="98" y="13530"/>
+                  </a:lnTo>
+                  <a:lnTo>
+                    <a:pt x="98" y="14162"/>
+                  </a:lnTo>
+                  <a:lnTo>
+                    <a:pt x="73" y="14479"/>
+                  </a:lnTo>
+                  <a:lnTo>
+                    <a:pt x="25" y="14795"/>
+                  </a:lnTo>
+                  <a:lnTo>
+                    <a:pt x="0" y="14868"/>
+                  </a:lnTo>
+                  <a:lnTo>
+                    <a:pt x="25" y="14965"/>
+                  </a:lnTo>
+                  <a:lnTo>
+                    <a:pt x="73" y="15014"/>
+                  </a:lnTo>
+                  <a:lnTo>
+                    <a:pt x="122" y="15063"/>
+                  </a:lnTo>
+                  <a:lnTo>
+                    <a:pt x="195" y="15087"/>
+                  </a:lnTo>
+                  <a:lnTo>
+                    <a:pt x="268" y="15111"/>
+                  </a:lnTo>
+                  <a:lnTo>
+                    <a:pt x="341" y="15087"/>
+                  </a:lnTo>
+                  <a:lnTo>
+                    <a:pt x="414" y="15038"/>
+                  </a:lnTo>
+                  <a:lnTo>
+                    <a:pt x="463" y="15087"/>
+                  </a:lnTo>
+                  <a:lnTo>
+                    <a:pt x="536" y="15111"/>
+                  </a:lnTo>
+                  <a:lnTo>
+                    <a:pt x="998" y="15136"/>
+                  </a:lnTo>
+                  <a:lnTo>
+                    <a:pt x="1460" y="15136"/>
+                  </a:lnTo>
+                  <a:lnTo>
+                    <a:pt x="1922" y="15111"/>
+                  </a:lnTo>
+                  <a:lnTo>
+                    <a:pt x="2385" y="15087"/>
+                  </a:lnTo>
+                  <a:lnTo>
+                    <a:pt x="2482" y="15087"/>
+                  </a:lnTo>
+                  <a:lnTo>
+                    <a:pt x="3309" y="15014"/>
+                  </a:lnTo>
+                  <a:lnTo>
+                    <a:pt x="3723" y="14990"/>
+                  </a:lnTo>
+                  <a:lnTo>
+                    <a:pt x="4112" y="14965"/>
+                  </a:lnTo>
+                  <a:lnTo>
+                    <a:pt x="4137" y="14965"/>
+                  </a:lnTo>
+                  <a:lnTo>
+                    <a:pt x="4185" y="14990"/>
+                  </a:lnTo>
+                  <a:lnTo>
+                    <a:pt x="4234" y="15014"/>
+                  </a:lnTo>
+                  <a:lnTo>
+                    <a:pt x="4356" y="15014"/>
+                  </a:lnTo>
+                  <a:lnTo>
+                    <a:pt x="4453" y="14941"/>
+                  </a:lnTo>
+                  <a:lnTo>
+                    <a:pt x="4502" y="14917"/>
+                  </a:lnTo>
+                  <a:lnTo>
+                    <a:pt x="4526" y="14868"/>
+                  </a:lnTo>
+                  <a:lnTo>
+                    <a:pt x="4575" y="14746"/>
+                  </a:lnTo>
+                  <a:lnTo>
+                    <a:pt x="4599" y="14600"/>
+                  </a:lnTo>
+                  <a:lnTo>
+                    <a:pt x="4599" y="14333"/>
+                  </a:lnTo>
+                  <a:lnTo>
+                    <a:pt x="4599" y="14065"/>
+                  </a:lnTo>
+                  <a:lnTo>
+                    <a:pt x="4575" y="13797"/>
+                  </a:lnTo>
+                  <a:lnTo>
+                    <a:pt x="4599" y="13773"/>
+                  </a:lnTo>
+                  <a:lnTo>
+                    <a:pt x="5037" y="13724"/>
+                  </a:lnTo>
+                  <a:lnTo>
+                    <a:pt x="5451" y="13676"/>
+                  </a:lnTo>
+                  <a:lnTo>
+                    <a:pt x="5791" y="13700"/>
+                  </a:lnTo>
+                  <a:lnTo>
+                    <a:pt x="5986" y="13676"/>
+                  </a:lnTo>
+                  <a:lnTo>
+                    <a:pt x="6132" y="13627"/>
+                  </a:lnTo>
+                  <a:lnTo>
+                    <a:pt x="6156" y="13651"/>
+                  </a:lnTo>
+                  <a:lnTo>
+                    <a:pt x="6521" y="13895"/>
+                  </a:lnTo>
+                  <a:lnTo>
+                    <a:pt x="6886" y="14138"/>
+                  </a:lnTo>
+                  <a:lnTo>
+                    <a:pt x="7276" y="14357"/>
+                  </a:lnTo>
+                  <a:lnTo>
+                    <a:pt x="7665" y="14552"/>
+                  </a:lnTo>
+                  <a:lnTo>
+                    <a:pt x="8054" y="14722"/>
+                  </a:lnTo>
+                  <a:lnTo>
+                    <a:pt x="8444" y="14892"/>
+                  </a:lnTo>
+                  <a:lnTo>
+                    <a:pt x="8833" y="15038"/>
+                  </a:lnTo>
+                  <a:lnTo>
+                    <a:pt x="9247" y="15160"/>
+                  </a:lnTo>
+                  <a:lnTo>
+                    <a:pt x="10074" y="15403"/>
+                  </a:lnTo>
+                  <a:lnTo>
+                    <a:pt x="10925" y="15574"/>
+                  </a:lnTo>
+                  <a:lnTo>
+                    <a:pt x="11777" y="15695"/>
+                  </a:lnTo>
+                  <a:lnTo>
+                    <a:pt x="12653" y="15817"/>
+                  </a:lnTo>
+                  <a:lnTo>
+                    <a:pt x="13310" y="15866"/>
+                  </a:lnTo>
+                  <a:lnTo>
+                    <a:pt x="13651" y="15890"/>
+                  </a:lnTo>
+                  <a:lnTo>
+                    <a:pt x="14016" y="15866"/>
+                  </a:lnTo>
+                  <a:lnTo>
+                    <a:pt x="14356" y="15866"/>
+                  </a:lnTo>
+                  <a:lnTo>
+                    <a:pt x="14697" y="15793"/>
+                  </a:lnTo>
+                  <a:lnTo>
+                    <a:pt x="15013" y="15720"/>
+                  </a:lnTo>
+                  <a:lnTo>
+                    <a:pt x="15330" y="15598"/>
+                  </a:lnTo>
+                  <a:lnTo>
+                    <a:pt x="15476" y="15525"/>
+                  </a:lnTo>
+                  <a:lnTo>
+                    <a:pt x="15597" y="15452"/>
+                  </a:lnTo>
+                  <a:lnTo>
+                    <a:pt x="15719" y="15355"/>
+                  </a:lnTo>
+                  <a:lnTo>
+                    <a:pt x="15792" y="15257"/>
+                  </a:lnTo>
+                  <a:lnTo>
+                    <a:pt x="15865" y="15160"/>
+                  </a:lnTo>
+                  <a:lnTo>
+                    <a:pt x="15914" y="15038"/>
+                  </a:lnTo>
+                  <a:lnTo>
+                    <a:pt x="15962" y="14941"/>
+                  </a:lnTo>
+                  <a:lnTo>
+                    <a:pt x="15987" y="14819"/>
+                  </a:lnTo>
+                  <a:lnTo>
+                    <a:pt x="16011" y="14552"/>
+                  </a:lnTo>
+                  <a:lnTo>
+                    <a:pt x="15987" y="14284"/>
+                  </a:lnTo>
+                  <a:lnTo>
+                    <a:pt x="15938" y="14016"/>
+                  </a:lnTo>
+                  <a:lnTo>
+                    <a:pt x="15865" y="13749"/>
+                  </a:lnTo>
+                  <a:lnTo>
+                    <a:pt x="15987" y="13651"/>
+                  </a:lnTo>
+                  <a:lnTo>
+                    <a:pt x="16084" y="13530"/>
+                  </a:lnTo>
+                  <a:lnTo>
+                    <a:pt x="16181" y="13408"/>
+                  </a:lnTo>
+                  <a:lnTo>
+                    <a:pt x="16254" y="13262"/>
+                  </a:lnTo>
+                  <a:lnTo>
+                    <a:pt x="16376" y="12946"/>
+                  </a:lnTo>
+                  <a:lnTo>
+                    <a:pt x="16425" y="12654"/>
+                  </a:lnTo>
+                  <a:lnTo>
+                    <a:pt x="16449" y="12410"/>
+                  </a:lnTo>
+                  <a:lnTo>
+                    <a:pt x="16449" y="12070"/>
+                  </a:lnTo>
+                  <a:lnTo>
+                    <a:pt x="16425" y="11875"/>
+                  </a:lnTo>
+                  <a:lnTo>
+                    <a:pt x="16400" y="11680"/>
+                  </a:lnTo>
+                  <a:lnTo>
+                    <a:pt x="16352" y="11534"/>
+                  </a:lnTo>
+                  <a:lnTo>
+                    <a:pt x="16279" y="11388"/>
+                  </a:lnTo>
+                  <a:lnTo>
+                    <a:pt x="16425" y="11267"/>
+                  </a:lnTo>
+                  <a:lnTo>
+                    <a:pt x="16546" y="11096"/>
+                  </a:lnTo>
+                  <a:lnTo>
+                    <a:pt x="16668" y="10926"/>
+                  </a:lnTo>
+                  <a:lnTo>
+                    <a:pt x="16765" y="10756"/>
+                  </a:lnTo>
+                  <a:lnTo>
+                    <a:pt x="16838" y="10561"/>
+                  </a:lnTo>
+                  <a:lnTo>
+                    <a:pt x="16887" y="10342"/>
+                  </a:lnTo>
+                  <a:lnTo>
+                    <a:pt x="16911" y="10147"/>
+                  </a:lnTo>
+                  <a:lnTo>
+                    <a:pt x="16936" y="9953"/>
+                  </a:lnTo>
+                  <a:lnTo>
+                    <a:pt x="16911" y="9758"/>
+                  </a:lnTo>
+                  <a:lnTo>
+                    <a:pt x="16838" y="9515"/>
+                  </a:lnTo>
+                  <a:lnTo>
+                    <a:pt x="16717" y="9271"/>
+                  </a:lnTo>
+                  <a:lnTo>
+                    <a:pt x="16571" y="9053"/>
+                  </a:lnTo>
+                  <a:lnTo>
+                    <a:pt x="16717" y="8931"/>
+                  </a:lnTo>
+                  <a:lnTo>
+                    <a:pt x="16838" y="8785"/>
+                  </a:lnTo>
+                  <a:lnTo>
+                    <a:pt x="16936" y="8615"/>
+                  </a:lnTo>
+                  <a:lnTo>
+                    <a:pt x="17033" y="8444"/>
+                  </a:lnTo>
+                  <a:lnTo>
+                    <a:pt x="17106" y="8274"/>
+                  </a:lnTo>
+                  <a:lnTo>
+                    <a:pt x="17155" y="8079"/>
+                  </a:lnTo>
+                  <a:lnTo>
+                    <a:pt x="17179" y="7885"/>
+                  </a:lnTo>
+                  <a:lnTo>
+                    <a:pt x="17203" y="7690"/>
+                  </a:lnTo>
+                  <a:lnTo>
+                    <a:pt x="17179" y="7447"/>
+                  </a:lnTo>
+                  <a:lnTo>
+                    <a:pt x="17106" y="7252"/>
+                  </a:lnTo>
+                  <a:lnTo>
+                    <a:pt x="17009" y="7057"/>
+                  </a:lnTo>
+                  <a:lnTo>
+                    <a:pt x="16887" y="6887"/>
+                  </a:lnTo>
+                  <a:lnTo>
+                    <a:pt x="16717" y="6741"/>
+                  </a:lnTo>
+                  <a:lnTo>
+                    <a:pt x="16546" y="6619"/>
+                  </a:lnTo>
+                  <a:lnTo>
+                    <a:pt x="16352" y="6498"/>
+                  </a:lnTo>
+                  <a:lnTo>
+                    <a:pt x="16157" y="6400"/>
+                  </a:lnTo>
+                  <a:lnTo>
+                    <a:pt x="15938" y="6303"/>
+                  </a:lnTo>
+                  <a:lnTo>
+                    <a:pt x="15719" y="6206"/>
+                  </a:lnTo>
+                  <a:lnTo>
+                    <a:pt x="15232" y="6084"/>
+                  </a:lnTo>
+                  <a:lnTo>
+                    <a:pt x="14746" y="5987"/>
+                  </a:lnTo>
+                  <a:lnTo>
+                    <a:pt x="14259" y="5938"/>
+                  </a:lnTo>
+                  <a:lnTo>
+                    <a:pt x="13845" y="5889"/>
+                  </a:lnTo>
+                  <a:lnTo>
+                    <a:pt x="13432" y="5865"/>
+                  </a:lnTo>
+                  <a:lnTo>
+                    <a:pt x="12604" y="5841"/>
+                  </a:lnTo>
+                  <a:lnTo>
+                    <a:pt x="11607" y="5841"/>
+                  </a:lnTo>
+                  <a:lnTo>
+                    <a:pt x="11266" y="5865"/>
+                  </a:lnTo>
+                  <a:lnTo>
+                    <a:pt x="11461" y="5354"/>
+                  </a:lnTo>
+                  <a:lnTo>
+                    <a:pt x="11655" y="4843"/>
+                  </a:lnTo>
+                  <a:lnTo>
+                    <a:pt x="11826" y="4308"/>
+                  </a:lnTo>
+                  <a:lnTo>
+                    <a:pt x="11996" y="3797"/>
+                  </a:lnTo>
+                  <a:lnTo>
+                    <a:pt x="12142" y="3261"/>
+                  </a:lnTo>
+                  <a:lnTo>
+                    <a:pt x="12239" y="2726"/>
+                  </a:lnTo>
+                  <a:lnTo>
+                    <a:pt x="12264" y="2458"/>
+                  </a:lnTo>
+                  <a:lnTo>
+                    <a:pt x="12264" y="2191"/>
+                  </a:lnTo>
+                  <a:lnTo>
+                    <a:pt x="12239" y="1899"/>
+                  </a:lnTo>
+                  <a:lnTo>
+                    <a:pt x="12215" y="1631"/>
+                  </a:lnTo>
+                  <a:lnTo>
+                    <a:pt x="12166" y="1412"/>
+                  </a:lnTo>
+                  <a:lnTo>
+                    <a:pt x="12118" y="1217"/>
+                  </a:lnTo>
+                  <a:lnTo>
+                    <a:pt x="12045" y="1023"/>
+                  </a:lnTo>
+                  <a:lnTo>
+                    <a:pt x="11972" y="853"/>
+                  </a:lnTo>
+                  <a:lnTo>
+                    <a:pt x="11850" y="682"/>
+                  </a:lnTo>
+                  <a:lnTo>
+                    <a:pt x="11728" y="512"/>
+                  </a:lnTo>
+                  <a:lnTo>
+                    <a:pt x="11582" y="366"/>
+                  </a:lnTo>
+                  <a:lnTo>
+                    <a:pt x="11412" y="220"/>
+                  </a:lnTo>
+                  <a:lnTo>
+                    <a:pt x="11266" y="147"/>
+                  </a:lnTo>
+                  <a:lnTo>
+                    <a:pt x="11120" y="74"/>
+                  </a:lnTo>
+                  <a:lnTo>
+                    <a:pt x="10925" y="25"/>
+                  </a:lnTo>
+                  <a:lnTo>
+                    <a:pt x="10731" y="1"/>
+                  </a:lnTo>
+                  <a:close/>
+                </a:path>
+              </a:pathLst>
+            </a:custGeom>
+            <a:solidFill>
+              <a:schemeClr val="accent1"/>
+            </a:solidFill>
+            <a:ln>
+              <a:noFill/>
+            </a:ln>
+          </p:spPr>
+          <p:txBody>
+            <a:bodyPr spcFirstLastPara="1" wrap="square" lIns="91425" tIns="91425" rIns="91425" bIns="91425" anchor="ctr" anchorCtr="0">
+              <a:noAutofit/>
+            </a:bodyPr>
+            <a:lstStyle/>
+            <a:p>
+              <a:pPr marL="0" lvl="0" indent="0" algn="l" rtl="0">
+                <a:spcBef>
+                  <a:spcPts val="0"/>
+                </a:spcBef>
+                <a:spcAft>
+                  <a:spcPts val="0"/>
+                </a:spcAft>
+                <a:buNone/>
+              </a:pPr>
+              <a:endParaRPr/>
+            </a:p>
+          </p:txBody>
+        </p:sp>
+      </p:grpSp>
     </p:spTree>
   </p:cSld>
   <p:clrMapOvr>
@@ -11078,9 +13759,39 @@
             </a:pPr>
             <a:r>
               <a:rPr lang="en" sz="3200" dirty="0" smtClean="0"/>
-              <a:t>	CONTENTS</a:t>
+              <a:t>	</a:t>
             </a:r>
-            <a:endParaRPr sz="3200" dirty="0"/>
+            <a:r>
+              <a:rPr lang="en" sz="3200" b="1" dirty="0" smtClean="0">
+                <a:solidFill>
+                  <a:schemeClr val="accent2">
+                    <a:lumMod val="50000"/>
+                  </a:schemeClr>
+                </a:solidFill>
+                <a:effectLst>
+                  <a:outerShdw blurRad="38100" dist="38100" dir="2700000" algn="tl">
+                    <a:srgbClr val="000000">
+                      <a:alpha val="43137"/>
+                    </a:srgbClr>
+                  </a:outerShdw>
+                </a:effectLst>
+              </a:rPr>
+              <a:t>CONTENTS</a:t>
+            </a:r>
+            <a:endParaRPr sz="3200" b="1" dirty="0">
+              <a:solidFill>
+                <a:schemeClr val="accent2">
+                  <a:lumMod val="50000"/>
+                </a:schemeClr>
+              </a:solidFill>
+              <a:effectLst>
+                <a:outerShdw blurRad="38100" dist="38100" dir="2700000" algn="tl">
+                  <a:srgbClr val="000000">
+                    <a:alpha val="43137"/>
+                  </a:srgbClr>
+                </a:outerShdw>
+              </a:effectLst>
+            </a:endParaRPr>
           </a:p>
         </p:txBody>
       </p:sp>
@@ -11421,9 +14132,60 @@
           <a:p>
             <a:r>
               <a:rPr lang="en-US" sz="3200" dirty="0" smtClean="0"/>
-              <a:t>	PROBLEM STATEMENT</a:t>
+              <a:t>	</a:t>
             </a:r>
-            <a:endParaRPr lang="en-US" sz="3200" dirty="0"/>
+            <a:r>
+              <a:rPr lang="en-US" sz="3200" dirty="0" smtClean="0"/>
+              <a:t> </a:t>
+            </a:r>
+            <a:r>
+              <a:rPr lang="en-US" sz="3200" b="1" dirty="0" smtClean="0">
+                <a:solidFill>
+                  <a:schemeClr val="accent2">
+                    <a:lumMod val="50000"/>
+                  </a:schemeClr>
+                </a:solidFill>
+                <a:effectLst>
+                  <a:outerShdw blurRad="38100" dist="38100" dir="2700000" algn="tl">
+                    <a:srgbClr val="000000">
+                      <a:alpha val="43137"/>
+                    </a:srgbClr>
+                  </a:outerShdw>
+                </a:effectLst>
+              </a:rPr>
+              <a:t>PROBLEM </a:t>
+            </a:r>
+            <a:r>
+              <a:rPr lang="en-US" sz="3200" b="1" dirty="0" smtClean="0">
+                <a:solidFill>
+                  <a:schemeClr val="accent2">
+                    <a:lumMod val="50000"/>
+                  </a:schemeClr>
+                </a:solidFill>
+                <a:effectLst>
+                  <a:outerShdw blurRad="38100" dist="38100" dir="2700000" algn="tl">
+                    <a:srgbClr val="000000">
+                      <a:alpha val="43137"/>
+                    </a:srgbClr>
+                  </a:outerShdw>
+                </a:effectLst>
+              </a:rPr>
+              <a:t>STATEMENT</a:t>
+            </a:r>
+            <a:endParaRPr lang="en-US" sz="3200" b="1" dirty="0">
+              <a:solidFill>
+                <a:schemeClr val="accent2">
+                  <a:lumMod val="50000"/>
+                </a:schemeClr>
+              </a:solidFill>
+              <a:effectLst>
+                <a:outerShdw blurRad="38100" dist="38100" dir="2700000" algn="tl">
+                  <a:srgbClr val="000000">
+                    <a:alpha val="43137"/>
+                  </a:srgbClr>
+                </a:outerShdw>
+              </a:effectLst>
+            </a:endParaRPr>
           </a:p>
         </p:txBody>
       </p:sp>
@@ -11643,10 +14405,48 @@
           <a:lstStyle/>
           <a:p>
             <a:r>
-              <a:rPr lang="en-US" sz="3200" dirty="0" smtClean="0"/>
-              <a:t>	OUTCOMES</a:t>
+              <a:rPr lang="en-US" sz="3200" b="1" dirty="0" smtClean="0">
+                <a:effectLst>
+                  <a:outerShdw blurRad="38100" dist="38100" dir="2700000" algn="tl">
+                    <a:srgbClr val="000000">
+                      <a:alpha val="43137"/>
+                    </a:srgbClr>
+                  </a:outerShdw>
+                </a:effectLst>
+              </a:rPr>
+              <a:t>	</a:t>
             </a:r>
-            <a:endParaRPr lang="en-US" sz="3200" dirty="0"/>
+            <a:r>
+              <a:rPr lang="en-US" sz="3200" b="1" dirty="0" smtClean="0">
+                <a:solidFill>
+                  <a:schemeClr val="accent2">
+                    <a:lumMod val="50000"/>
+                  </a:schemeClr>
+                </a:solidFill>
+                <a:effectLst>
+                  <a:outerShdw blurRad="38100" dist="38100" dir="2700000" algn="tl">
+                    <a:srgbClr val="000000">
+                      <a:alpha val="43137"/>
+                    </a:srgbClr>
+                  </a:outerShdw>
+                </a:effectLst>
+              </a:rPr>
+              <a:t>OUTCOMES</a:t>
+            </a:r>
+            <a:endParaRPr lang="en-US" sz="3200" b="1" dirty="0">
+              <a:solidFill>
+                <a:schemeClr val="accent2">
+                  <a:lumMod val="50000"/>
+                </a:schemeClr>
+              </a:solidFill>
+              <a:effectLst>
+                <a:outerShdw blurRad="38100" dist="38100" dir="2700000" algn="tl">
+                  <a:srgbClr val="000000">
+                    <a:alpha val="43137"/>
+                  </a:srgbClr>
+                </a:outerShdw>
+              </a:effectLst>
+            </a:endParaRPr>
           </a:p>
         </p:txBody>
       </p:sp>
@@ -11809,9 +14609,39 @@
           <a:p>
             <a:r>
               <a:rPr lang="en-US" sz="3200" dirty="0" smtClean="0"/>
-              <a:t>	IMPACT</a:t>
+              <a:t>	</a:t>
             </a:r>
-            <a:endParaRPr lang="en-US" sz="3200" dirty="0"/>
+            <a:r>
+              <a:rPr lang="en-US" sz="3200" b="1" dirty="0" smtClean="0">
+                <a:solidFill>
+                  <a:schemeClr val="accent2">
+                    <a:lumMod val="50000"/>
+                  </a:schemeClr>
+                </a:solidFill>
+                <a:effectLst>
+                  <a:outerShdw blurRad="38100" dist="38100" dir="2700000" algn="tl">
+                    <a:srgbClr val="000000">
+                      <a:alpha val="43137"/>
+                    </a:srgbClr>
+                  </a:outerShdw>
+                </a:effectLst>
+              </a:rPr>
+              <a:t>IMPACT</a:t>
+            </a:r>
+            <a:endParaRPr lang="en-US" sz="3200" b="1" dirty="0">
+              <a:solidFill>
+                <a:schemeClr val="accent2">
+                  <a:lumMod val="50000"/>
+                </a:schemeClr>
+              </a:solidFill>
+              <a:effectLst>
+                <a:outerShdw blurRad="38100" dist="38100" dir="2700000" algn="tl">
+                  <a:srgbClr val="000000">
+                    <a:alpha val="43137"/>
+                  </a:srgbClr>
+                </a:outerShdw>
+              </a:effectLst>
+            </a:endParaRPr>
           </a:p>
         </p:txBody>
       </p:sp>
@@ -11973,7 +14803,7 @@
         </p:nvSpPr>
         <p:spPr>
           <a:xfrm>
-            <a:off x="6824" y="57150"/>
+            <a:off x="0" y="133350"/>
             <a:ext cx="6475200" cy="593700"/>
           </a:xfrm>
         </p:spPr>
@@ -11983,9 +14813,39 @@
           <a:p>
             <a:r>
               <a:rPr lang="en-US" dirty="0" smtClean="0"/>
-              <a:t>	DESCRIPTION</a:t>
+              <a:t>	</a:t>
             </a:r>
-            <a:endParaRPr lang="en-US" dirty="0"/>
+            <a:r>
+              <a:rPr lang="en-US" sz="3200" b="1" dirty="0" smtClean="0">
+                <a:solidFill>
+                  <a:schemeClr val="accent2">
+                    <a:lumMod val="50000"/>
+                  </a:schemeClr>
+                </a:solidFill>
+                <a:effectLst>
+                  <a:outerShdw blurRad="38100" dist="38100" dir="2700000" algn="tl">
+                    <a:srgbClr val="000000">
+                      <a:alpha val="43137"/>
+                    </a:srgbClr>
+                  </a:outerShdw>
+                </a:effectLst>
+              </a:rPr>
+              <a:t>DESCRIPTION</a:t>
+            </a:r>
+            <a:endParaRPr lang="en-US" sz="3200" b="1" dirty="0">
+              <a:solidFill>
+                <a:schemeClr val="accent2">
+                  <a:lumMod val="50000"/>
+                </a:schemeClr>
+              </a:solidFill>
+              <a:effectLst>
+                <a:outerShdw blurRad="38100" dist="38100" dir="2700000" algn="tl">
+                  <a:srgbClr val="000000">
+                    <a:alpha val="43137"/>
+                  </a:srgbClr>
+                </a:outerShdw>
+              </a:effectLst>
+            </a:endParaRPr>
           </a:p>
         </p:txBody>
       </p:sp>
@@ -12001,7 +14861,7 @@
         </p:nvSpPr>
         <p:spPr>
           <a:xfrm>
-            <a:off x="0" y="895350"/>
+            <a:off x="-7961" y="916296"/>
             <a:ext cx="8458200" cy="3962400"/>
           </a:xfrm>
         </p:spPr>
@@ -12020,18 +14880,12 @@
             </a:pPr>
             <a:r>
               <a:rPr lang="en-US" sz="1800" dirty="0" smtClean="0"/>
-              <a:t>Functionalities </a:t>
+              <a:t>	 Functionalities </a:t>
             </a:r>
             <a:r>
               <a:rPr lang="en-US" sz="1800" dirty="0"/>
               <a:t>of the system</a:t>
             </a:r>
-          </a:p>
-          <a:p>
-            <a:pPr marL="76200" indent="0">
-              <a:buNone/>
-            </a:pPr>
-            <a:endParaRPr lang="en-US" sz="1600" dirty="0" smtClean="0"/>
           </a:p>
           <a:p>
             <a:pPr marL="76200" indent="0">
@@ -12203,7 +15057,7 @@
         </p:nvSpPr>
         <p:spPr>
           <a:xfrm>
-            <a:off x="0" y="34072"/>
+            <a:off x="0" y="57150"/>
             <a:ext cx="8153400" cy="593700"/>
           </a:xfrm>
         </p:spPr>
@@ -12213,9 +15067,39 @@
           <a:p>
             <a:r>
               <a:rPr lang="en-US" dirty="0" smtClean="0"/>
-              <a:t>	ARCHITECTURE</a:t>
+              <a:t>	</a:t>
             </a:r>
-            <a:endParaRPr lang="en-US" dirty="0"/>
+            <a:r>
+              <a:rPr lang="en-US" sz="3200" b="1" dirty="0" smtClean="0">
+                <a:solidFill>
+                  <a:schemeClr val="accent2">
+                    <a:lumMod val="50000"/>
+                  </a:schemeClr>
+                </a:solidFill>
+                <a:effectLst>
+                  <a:outerShdw blurRad="38100" dist="38100" dir="2700000" algn="tl">
+                    <a:srgbClr val="000000">
+                      <a:alpha val="43137"/>
+                    </a:srgbClr>
+                  </a:outerShdw>
+                </a:effectLst>
+              </a:rPr>
+              <a:t>ARCHITECTURE</a:t>
+            </a:r>
+            <a:endParaRPr lang="en-US" sz="3200" b="1" dirty="0">
+              <a:solidFill>
+                <a:schemeClr val="accent2">
+                  <a:lumMod val="50000"/>
+                </a:schemeClr>
+              </a:solidFill>
+              <a:effectLst>
+                <a:outerShdw blurRad="38100" dist="38100" dir="2700000" algn="tl">
+                  <a:srgbClr val="000000">
+                    <a:alpha val="43137"/>
+                  </a:srgbClr>
+                </a:outerShdw>
+              </a:effectLst>
+            </a:endParaRPr>
           </a:p>
         </p:txBody>
       </p:sp>
@@ -12365,8 +15249,8 @@
         </p:nvSpPr>
         <p:spPr>
           <a:xfrm>
-            <a:off x="152400" y="209550"/>
-            <a:ext cx="8915400" cy="4857700"/>
+            <a:off x="457200" y="-171450"/>
+            <a:ext cx="7467600" cy="1885900"/>
           </a:xfrm>
         </p:spPr>
         <p:txBody>
@@ -12429,21 +15313,65 @@
                 </a:solidFill>
                 <a:latin typeface="Algerian" panose="04020705040A02060702" pitchFamily="82" charset="0"/>
               </a:rPr>
-              <a:t>                         </a:t>
+              <a:t>               </a:t>
             </a:r>
             <a:r>
-              <a:rPr lang="en-US" sz="6000" dirty="0" smtClean="0">
+              <a:rPr lang="en-US" sz="4000" dirty="0" smtClean="0">
                 <a:solidFill>
                   <a:schemeClr val="tx1"/>
                 </a:solidFill>
+                <a:latin typeface="Algerian" panose="04020705040A02060702" pitchFamily="82" charset="0"/>
+              </a:rPr>
+              <a:t> </a:t>
+            </a:r>
+            <a:r>
+              <a:rPr lang="en-US" sz="6000" b="1" dirty="0" smtClean="0">
+                <a:solidFill>
+                  <a:schemeClr val="accent2">
+                    <a:lumMod val="50000"/>
+                  </a:schemeClr>
+                </a:solidFill>
+                <a:effectLst>
+                  <a:outerShdw blurRad="38100" dist="38100" dir="2700000" algn="tl">
+                    <a:srgbClr val="000000">
+                      <a:alpha val="43137"/>
+                    </a:srgbClr>
+                  </a:outerShdw>
+                </a:effectLst>
                 <a:cs typeface="Arial" panose="020B0604020202020204" pitchFamily="34" charset="0"/>
               </a:rPr>
-              <a:t>DEMO</a:t>
+              <a:t>DEMO </a:t>
             </a:r>
-            <a:endParaRPr lang="en-US" sz="6000" dirty="0">
+            <a:r>
+              <a:rPr lang="en-US" sz="6000" b="1" dirty="0" smtClean="0">
+                <a:solidFill>
+                  <a:schemeClr val="accent2">
+                    <a:lumMod val="50000"/>
+                  </a:schemeClr>
+                </a:solidFill>
+                <a:effectLst>
+                  <a:outerShdw blurRad="38100" dist="38100" dir="2700000" algn="tl">
+                    <a:srgbClr val="000000">
+                      <a:alpha val="43137"/>
+                    </a:srgbClr>
+                  </a:outerShdw>
+                </a:effectLst>
+              </a:rPr>
+              <a:t>&amp; 			ANIMATED VIDEO</a:t>
+            </a:r>
+            <a:endParaRPr lang="en-US" sz="6000" b="1" dirty="0">
               <a:solidFill>
-                <a:schemeClr val="tx1"/>
+                <a:schemeClr val="accent2">
+                  <a:lumMod val="50000"/>
+                </a:schemeClr>
               </a:solidFill>
+              <a:effectLst>
+                <a:outerShdw blurRad="38100" dist="38100" dir="2700000" algn="tl">
+                  <a:srgbClr val="000000">
+                    <a:alpha val="43137"/>
+                  </a:srgbClr>
+                </a:outerShdw>
+              </a:effectLst>
               <a:cs typeface="Arial" panose="020B0604020202020204" pitchFamily="34" charset="0"/>
             </a:endParaRPr>
           </a:p>
@@ -12564,17 +15492,35 @@
               <a:t>                                      </a:t>
             </a:r>
             <a:r>
-              <a:rPr lang="en-US" sz="6000" dirty="0" smtClean="0">
+              <a:rPr lang="en-US" sz="6000" b="1" dirty="0" smtClean="0">
                 <a:solidFill>
-                  <a:schemeClr val="tx1"/>
+                  <a:schemeClr val="accent2">
+                    <a:lumMod val="50000"/>
+                  </a:schemeClr>
                 </a:solidFill>
+                <a:effectLst>
+                  <a:outerShdw blurRad="38100" dist="38100" dir="2700000" algn="tl">
+                    <a:srgbClr val="000000">
+                      <a:alpha val="43137"/>
+                    </a:srgbClr>
+                  </a:outerShdw>
+                </a:effectLst>
               </a:rPr>
               <a:t>Q &amp; A</a:t>
             </a:r>
-            <a:endParaRPr lang="en-IN" sz="6000" dirty="0">
+            <a:endParaRPr lang="en-IN" sz="6000" b="1" dirty="0">
               <a:solidFill>
-                <a:schemeClr val="tx1"/>
+                <a:schemeClr val="accent2">
+                  <a:lumMod val="50000"/>
+                </a:schemeClr>
               </a:solidFill>
+              <a:effectLst>
+                <a:outerShdw blurRad="38100" dist="38100" dir="2700000" algn="tl">
+                  <a:srgbClr val="000000">
+                    <a:alpha val="43137"/>
+                  </a:srgbClr>
+                </a:outerShdw>
+              </a:effectLst>
             </a:endParaRPr>
           </a:p>
         </p:txBody>

--- a/PRESENTATION/IBM PPT (1).pptx
+++ b/PRESENTATION/IBM PPT (1).pptx
@@ -23,19 +23,19 @@
   <p:notesSz cx="6858000" cy="9144000"/>
   <p:embeddedFontLst>
     <p:embeddedFont>
-      <p:font typeface="Trebuchet MS" panose="020B0603020202020204" pitchFamily="34" charset="0"/>
+      <p:font typeface="Wingdings 3" panose="05040102010807070707" pitchFamily="18" charset="2"/>
       <p:regular r:id="rId13"/>
-      <p:bold r:id="rId14"/>
-      <p:italic r:id="rId15"/>
-      <p:boldItalic r:id="rId16"/>
-    </p:embeddedFont>
-    <p:embeddedFont>
-      <p:font typeface="Wingdings 3" panose="05040102010807070707" pitchFamily="18" charset="2"/>
-      <p:regular r:id="rId17"/>
     </p:embeddedFont>
     <p:embeddedFont>
       <p:font typeface="Algerian" panose="04020705040A02060702" pitchFamily="82" charset="0"/>
-      <p:regular r:id="rId18"/>
+      <p:regular r:id="rId14"/>
+    </p:embeddedFont>
+    <p:embeddedFont>
+      <p:font typeface="Trebuchet MS" panose="020B0603020202020204" pitchFamily="34" charset="0"/>
+      <p:regular r:id="rId15"/>
+      <p:bold r:id="rId16"/>
+      <p:italic r:id="rId17"/>
+      <p:boldItalic r:id="rId18"/>
     </p:embeddedFont>
   </p:embeddedFontLst>
   <p:defaultTextStyle>
@@ -13920,8 +13920,9 @@
             </a:pPr>
             <a:r>
               <a:rPr lang="en-US" sz="1800" dirty="0" smtClean="0"/>
-              <a:t>DEMO</a:t>
+              <a:t>DEMO &amp; ANIMATED VIDEO</a:t>
             </a:r>
+            <a:endParaRPr lang="en-US" sz="1800" dirty="0" smtClean="0"/>
           </a:p>
           <a:p>
             <a:pPr marL="88900" lvl="0" indent="0">
@@ -14132,11 +14133,7 @@
           <a:p>
             <a:r>
               <a:rPr lang="en-US" sz="3200" dirty="0" smtClean="0"/>
-              <a:t>	</a:t>
-            </a:r>
-            <a:r>
-              <a:rPr lang="en-US" sz="3200" dirty="0" smtClean="0"/>
-              <a:t> </a:t>
+              <a:t>	 </a:t>
             </a:r>
             <a:r>
               <a:rPr lang="en-US" sz="3200" b="1" dirty="0" smtClean="0">
@@ -14153,24 +14150,7 @@
                   </a:outerShdw>
                 </a:effectLst>
               </a:rPr>
-              <a:t>PROBLEM </a:t>
-            </a:r>
-            <a:r>
-              <a:rPr lang="en-US" sz="3200" b="1" dirty="0" smtClean="0">
-                <a:solidFill>
-                  <a:schemeClr val="accent2">
-                    <a:lumMod val="50000"/>
-                  </a:schemeClr>
-                </a:solidFill>
-                <a:effectLst>
-                  <a:outerShdw blurRad="38100" dist="38100" dir="2700000" algn="tl">
-                    <a:srgbClr val="000000">
-                      <a:alpha val="43137"/>
-                    </a:srgbClr>
-                  </a:outerShdw>
-                </a:effectLst>
-              </a:rPr>
-              <a:t>STATEMENT</a:t>
+              <a:t>PROBLEM STATEMENT</a:t>
             </a:r>
             <a:endParaRPr lang="en-US" sz="3200" b="1" dirty="0">
               <a:solidFill>
@@ -15313,16 +15293,7 @@
                 </a:solidFill>
                 <a:latin typeface="Algerian" panose="04020705040A02060702" pitchFamily="82" charset="0"/>
               </a:rPr>
-              <a:t>               </a:t>
-            </a:r>
-            <a:r>
-              <a:rPr lang="en-US" sz="4000" dirty="0" smtClean="0">
-                <a:solidFill>
-                  <a:schemeClr val="tx1"/>
-                </a:solidFill>
-                <a:latin typeface="Algerian" panose="04020705040A02060702" pitchFamily="82" charset="0"/>
-              </a:rPr>
-              <a:t> </a:t>
+              <a:t>                </a:t>
             </a:r>
             <a:r>
               <a:rPr lang="en-US" sz="6000" b="1" dirty="0" smtClean="0">
